--- a/docs/logo.pptx
+++ b/docs/logo.pptx
@@ -7,7 +7,11 @@
   <p:sldIdLst>
     <p:sldId id="256" r:id="rId2"/>
     <p:sldId id="257" r:id="rId3"/>
-    <p:sldId id="258" r:id="rId4"/>
+    <p:sldId id="261" r:id="rId4"/>
+    <p:sldId id="259" r:id="rId5"/>
+    <p:sldId id="262" r:id="rId6"/>
+    <p:sldId id="260" r:id="rId7"/>
+    <p:sldId id="258" r:id="rId8"/>
   </p:sldIdLst>
   <p:sldSz cx="12192000" cy="6858000"/>
   <p:notesSz cx="6858000" cy="9144000"/>
@@ -261,7 +265,7 @@
           <a:p>
             <a:fld id="{6C33C58C-061C-44F1-A237-2E36B5F906E4}" type="datetimeFigureOut">
               <a:rPr kumimoji="1" lang="ja-JP" altLang="en-US" smtClean="0"/>
-              <a:t>2020/6/28</a:t>
+              <a:t>2021/6/10</a:t>
             </a:fld>
             <a:endParaRPr kumimoji="1" lang="ja-JP" altLang="en-US"/>
           </a:p>
@@ -491,7 +495,7 @@
           <a:p>
             <a:fld id="{6C33C58C-061C-44F1-A237-2E36B5F906E4}" type="datetimeFigureOut">
               <a:rPr kumimoji="1" lang="ja-JP" altLang="en-US" smtClean="0"/>
-              <a:t>2020/6/28</a:t>
+              <a:t>2021/6/10</a:t>
             </a:fld>
             <a:endParaRPr kumimoji="1" lang="ja-JP" altLang="en-US"/>
           </a:p>
@@ -731,7 +735,7 @@
           <a:p>
             <a:fld id="{6C33C58C-061C-44F1-A237-2E36B5F906E4}" type="datetimeFigureOut">
               <a:rPr kumimoji="1" lang="ja-JP" altLang="en-US" smtClean="0"/>
-              <a:t>2020/6/28</a:t>
+              <a:t>2021/6/10</a:t>
             </a:fld>
             <a:endParaRPr kumimoji="1" lang="ja-JP" altLang="en-US"/>
           </a:p>
@@ -961,7 +965,7 @@
           <a:p>
             <a:fld id="{6C33C58C-061C-44F1-A237-2E36B5F906E4}" type="datetimeFigureOut">
               <a:rPr kumimoji="1" lang="ja-JP" altLang="en-US" smtClean="0"/>
-              <a:t>2020/6/28</a:t>
+              <a:t>2021/6/10</a:t>
             </a:fld>
             <a:endParaRPr kumimoji="1" lang="ja-JP" altLang="en-US"/>
           </a:p>
@@ -1236,7 +1240,7 @@
           <a:p>
             <a:fld id="{6C33C58C-061C-44F1-A237-2E36B5F906E4}" type="datetimeFigureOut">
               <a:rPr kumimoji="1" lang="ja-JP" altLang="en-US" smtClean="0"/>
-              <a:t>2020/6/28</a:t>
+              <a:t>2021/6/10</a:t>
             </a:fld>
             <a:endParaRPr kumimoji="1" lang="ja-JP" altLang="en-US"/>
           </a:p>
@@ -1565,7 +1569,7 @@
           <a:p>
             <a:fld id="{6C33C58C-061C-44F1-A237-2E36B5F906E4}" type="datetimeFigureOut">
               <a:rPr kumimoji="1" lang="ja-JP" altLang="en-US" smtClean="0"/>
-              <a:t>2020/6/28</a:t>
+              <a:t>2021/6/10</a:t>
             </a:fld>
             <a:endParaRPr kumimoji="1" lang="ja-JP" altLang="en-US"/>
           </a:p>
@@ -2041,7 +2045,7 @@
           <a:p>
             <a:fld id="{6C33C58C-061C-44F1-A237-2E36B5F906E4}" type="datetimeFigureOut">
               <a:rPr kumimoji="1" lang="ja-JP" altLang="en-US" smtClean="0"/>
-              <a:t>2020/6/28</a:t>
+              <a:t>2021/6/10</a:t>
             </a:fld>
             <a:endParaRPr kumimoji="1" lang="ja-JP" altLang="en-US"/>
           </a:p>
@@ -2182,7 +2186,7 @@
           <a:p>
             <a:fld id="{6C33C58C-061C-44F1-A237-2E36B5F906E4}" type="datetimeFigureOut">
               <a:rPr kumimoji="1" lang="ja-JP" altLang="en-US" smtClean="0"/>
-              <a:t>2020/6/28</a:t>
+              <a:t>2021/6/10</a:t>
             </a:fld>
             <a:endParaRPr kumimoji="1" lang="ja-JP" altLang="en-US"/>
           </a:p>
@@ -2295,7 +2299,7 @@
           <a:p>
             <a:fld id="{6C33C58C-061C-44F1-A237-2E36B5F906E4}" type="datetimeFigureOut">
               <a:rPr kumimoji="1" lang="ja-JP" altLang="en-US" smtClean="0"/>
-              <a:t>2020/6/28</a:t>
+              <a:t>2021/6/10</a:t>
             </a:fld>
             <a:endParaRPr kumimoji="1" lang="ja-JP" altLang="en-US"/>
           </a:p>
@@ -2638,7 +2642,7 @@
           <a:p>
             <a:fld id="{6C33C58C-061C-44F1-A237-2E36B5F906E4}" type="datetimeFigureOut">
               <a:rPr kumimoji="1" lang="ja-JP" altLang="en-US" smtClean="0"/>
-              <a:t>2020/6/28</a:t>
+              <a:t>2021/6/10</a:t>
             </a:fld>
             <a:endParaRPr kumimoji="1" lang="ja-JP" altLang="en-US"/>
           </a:p>
@@ -2926,7 +2930,7 @@
           <a:p>
             <a:fld id="{6C33C58C-061C-44F1-A237-2E36B5F906E4}" type="datetimeFigureOut">
               <a:rPr kumimoji="1" lang="ja-JP" altLang="en-US" smtClean="0"/>
-              <a:t>2020/6/28</a:t>
+              <a:t>2021/6/10</a:t>
             </a:fld>
             <a:endParaRPr kumimoji="1" lang="ja-JP" altLang="en-US"/>
           </a:p>
@@ -3199,7 +3203,7 @@
           <a:p>
             <a:fld id="{6C33C58C-061C-44F1-A237-2E36B5F906E4}" type="datetimeFigureOut">
               <a:rPr kumimoji="1" lang="ja-JP" altLang="en-US" smtClean="0"/>
-              <a:t>2020/6/28</a:t>
+              <a:t>2021/6/10</a:t>
             </a:fld>
             <a:endParaRPr kumimoji="1" lang="ja-JP" altLang="en-US"/>
           </a:p>
@@ -4085,6 +4089,565 @@
 <file path=ppt/slides/slide3.xml><?xml version="1.0" encoding="utf-8"?>
 <p:sld xmlns:a="http://schemas.openxmlformats.org/drawingml/2006/main" xmlns:r="http://schemas.openxmlformats.org/officeDocument/2006/relationships" xmlns:p="http://schemas.openxmlformats.org/presentationml/2006/main">
   <p:cSld>
+    <p:spTree>
+      <p:nvGrpSpPr>
+        <p:cNvPr id="1" name=""/>
+        <p:cNvGrpSpPr/>
+        <p:nvPr/>
+      </p:nvGrpSpPr>
+      <p:grpSpPr>
+        <a:xfrm>
+          <a:off x="0" y="0"/>
+          <a:ext cx="0" cy="0"/>
+          <a:chOff x="0" y="0"/>
+          <a:chExt cx="0" cy="0"/>
+        </a:xfrm>
+      </p:grpSpPr>
+      <p:sp>
+        <p:nvSpPr>
+          <p:cNvPr id="6" name="六角形 5">
+            <a:extLst>
+              <a:ext uri="{FF2B5EF4-FFF2-40B4-BE49-F238E27FC236}">
+                <a16:creationId xmlns:a16="http://schemas.microsoft.com/office/drawing/2014/main" id="{A899BB3A-7A26-4E79-BD15-165A0B833FCB}"/>
+              </a:ext>
+            </a:extLst>
+          </p:cNvPr>
+          <p:cNvSpPr/>
+          <p:nvPr/>
+        </p:nvSpPr>
+        <p:spPr>
+          <a:xfrm>
+            <a:off x="3045203" y="1331365"/>
+            <a:ext cx="4723001" cy="4071553"/>
+          </a:xfrm>
+          <a:prstGeom prst="hexagon">
+            <a:avLst/>
+          </a:prstGeom>
+          <a:gradFill flip="none" rotWithShape="1">
+            <a:gsLst>
+              <a:gs pos="0">
+                <a:srgbClr val="00B050"/>
+              </a:gs>
+              <a:gs pos="100000">
+                <a:srgbClr val="00B0F0"/>
+              </a:gs>
+            </a:gsLst>
+            <a:lin ang="2700000" scaled="1"/>
+            <a:tileRect/>
+          </a:gradFill>
+          <a:ln>
+            <a:noFill/>
+          </a:ln>
+        </p:spPr>
+        <p:style>
+          <a:lnRef idx="2">
+            <a:schemeClr val="accent1">
+              <a:shade val="50000"/>
+            </a:schemeClr>
+          </a:lnRef>
+          <a:fillRef idx="1">
+            <a:schemeClr val="accent1"/>
+          </a:fillRef>
+          <a:effectRef idx="0">
+            <a:schemeClr val="accent1"/>
+          </a:effectRef>
+          <a:fontRef idx="minor">
+            <a:schemeClr val="lt1"/>
+          </a:fontRef>
+        </p:style>
+        <p:txBody>
+          <a:bodyPr rtlCol="0" anchor="ctr"/>
+          <a:lstStyle/>
+          <a:p>
+            <a:pPr algn="ctr"/>
+            <a:endParaRPr kumimoji="1" lang="ja-JP" altLang="en-US"/>
+          </a:p>
+        </p:txBody>
+      </p:sp>
+    </p:spTree>
+    <p:extLst>
+      <p:ext uri="{BB962C8B-B14F-4D97-AF65-F5344CB8AC3E}">
+        <p14:creationId xmlns:p14="http://schemas.microsoft.com/office/powerpoint/2010/main" val="346515698"/>
+      </p:ext>
+    </p:extLst>
+  </p:cSld>
+  <p:clrMapOvr>
+    <a:masterClrMapping/>
+  </p:clrMapOvr>
+</p:sld>
+</file>
+
+<file path=ppt/slides/slide4.xml><?xml version="1.0" encoding="utf-8"?>
+<p:sld xmlns:a="http://schemas.openxmlformats.org/drawingml/2006/main" xmlns:r="http://schemas.openxmlformats.org/officeDocument/2006/relationships" xmlns:p="http://schemas.openxmlformats.org/presentationml/2006/main">
+  <p:cSld>
+    <p:spTree>
+      <p:nvGrpSpPr>
+        <p:cNvPr id="1" name=""/>
+        <p:cNvGrpSpPr/>
+        <p:nvPr/>
+      </p:nvGrpSpPr>
+      <p:grpSpPr>
+        <a:xfrm>
+          <a:off x="0" y="0"/>
+          <a:ext cx="0" cy="0"/>
+          <a:chOff x="0" y="0"/>
+          <a:chExt cx="0" cy="0"/>
+        </a:xfrm>
+      </p:grpSpPr>
+      <p:sp>
+        <p:nvSpPr>
+          <p:cNvPr id="6" name="六角形 5">
+            <a:extLst>
+              <a:ext uri="{FF2B5EF4-FFF2-40B4-BE49-F238E27FC236}">
+                <a16:creationId xmlns:a16="http://schemas.microsoft.com/office/drawing/2014/main" id="{A899BB3A-7A26-4E79-BD15-165A0B833FCB}"/>
+              </a:ext>
+            </a:extLst>
+          </p:cNvPr>
+          <p:cNvSpPr/>
+          <p:nvPr/>
+        </p:nvSpPr>
+        <p:spPr>
+          <a:xfrm>
+            <a:off x="3045203" y="1331365"/>
+            <a:ext cx="4723001" cy="4071553"/>
+          </a:xfrm>
+          <a:prstGeom prst="hexagon">
+            <a:avLst/>
+          </a:prstGeom>
+          <a:gradFill flip="none" rotWithShape="1">
+            <a:gsLst>
+              <a:gs pos="0">
+                <a:srgbClr val="00B050"/>
+              </a:gs>
+              <a:gs pos="100000">
+                <a:srgbClr val="00B0F0"/>
+              </a:gs>
+            </a:gsLst>
+            <a:lin ang="2700000" scaled="1"/>
+            <a:tileRect/>
+          </a:gradFill>
+          <a:ln>
+            <a:noFill/>
+          </a:ln>
+        </p:spPr>
+        <p:style>
+          <a:lnRef idx="2">
+            <a:schemeClr val="accent1">
+              <a:shade val="50000"/>
+            </a:schemeClr>
+          </a:lnRef>
+          <a:fillRef idx="1">
+            <a:schemeClr val="accent1"/>
+          </a:fillRef>
+          <a:effectRef idx="0">
+            <a:schemeClr val="accent1"/>
+          </a:effectRef>
+          <a:fontRef idx="minor">
+            <a:schemeClr val="lt1"/>
+          </a:fontRef>
+        </p:style>
+        <p:txBody>
+          <a:bodyPr rtlCol="0" anchor="ctr"/>
+          <a:lstStyle/>
+          <a:p>
+            <a:pPr algn="ctr"/>
+            <a:endParaRPr kumimoji="1" lang="ja-JP" altLang="en-US"/>
+          </a:p>
+        </p:txBody>
+      </p:sp>
+      <p:sp>
+        <p:nvSpPr>
+          <p:cNvPr id="7" name="正方形/長方形 6">
+            <a:extLst>
+              <a:ext uri="{FF2B5EF4-FFF2-40B4-BE49-F238E27FC236}">
+                <a16:creationId xmlns:a16="http://schemas.microsoft.com/office/drawing/2014/main" id="{1A39BFCC-FA1B-474E-BEA6-1F5CDF37D90C}"/>
+              </a:ext>
+            </a:extLst>
+          </p:cNvPr>
+          <p:cNvSpPr/>
+          <p:nvPr/>
+        </p:nvSpPr>
+        <p:spPr>
+          <a:xfrm>
+            <a:off x="3781899" y="1543868"/>
+            <a:ext cx="3249608" cy="3770263"/>
+          </a:xfrm>
+          <a:prstGeom prst="rect">
+            <a:avLst/>
+          </a:prstGeom>
+          <a:ln>
+            <a:noFill/>
+          </a:ln>
+        </p:spPr>
+        <p:txBody>
+          <a:bodyPr wrap="none">
+            <a:spAutoFit/>
+          </a:bodyPr>
+          <a:lstStyle/>
+          <a:p>
+            <a:pPr algn="ctr"/>
+            <a:r>
+              <a:rPr lang="ja-JP" altLang="en-US" sz="23900" dirty="0">
+                <a:ln w="44450">
+                  <a:noFill/>
+                </a:ln>
+                <a:solidFill>
+                  <a:schemeClr val="tx1">
+                    <a:lumMod val="85000"/>
+                    <a:lumOff val="15000"/>
+                  </a:schemeClr>
+                </a:solidFill>
+                <a:latin typeface="M+ 2c black" panose="020B0803020204020204" pitchFamily="50" charset="-128"/>
+                <a:ea typeface="M+ 2c black" panose="020B0803020204020204" pitchFamily="50" charset="-128"/>
+                <a:cs typeface="M+ 2c black" panose="020B0803020204020204" pitchFamily="50" charset="-128"/>
+              </a:rPr>
+              <a:t>！</a:t>
+            </a:r>
+            <a:endParaRPr lang="ja-JP" altLang="en-US" sz="3600" dirty="0">
+              <a:ln w="44450">
+                <a:noFill/>
+              </a:ln>
+              <a:solidFill>
+                <a:schemeClr val="tx1">
+                  <a:lumMod val="85000"/>
+                  <a:lumOff val="15000"/>
+                </a:schemeClr>
+              </a:solidFill>
+              <a:latin typeface="M+ 2c black" panose="020B0803020204020204" pitchFamily="50" charset="-128"/>
+              <a:ea typeface="M+ 2c black" panose="020B0803020204020204" pitchFamily="50" charset="-128"/>
+              <a:cs typeface="M+ 2c black" panose="020B0803020204020204" pitchFamily="50" charset="-128"/>
+            </a:endParaRPr>
+          </a:p>
+        </p:txBody>
+      </p:sp>
+    </p:spTree>
+    <p:extLst>
+      <p:ext uri="{BB962C8B-B14F-4D97-AF65-F5344CB8AC3E}">
+        <p14:creationId xmlns:p14="http://schemas.microsoft.com/office/powerpoint/2010/main" val="1638359834"/>
+      </p:ext>
+    </p:extLst>
+  </p:cSld>
+  <p:clrMapOvr>
+    <a:masterClrMapping/>
+  </p:clrMapOvr>
+</p:sld>
+</file>
+
+<file path=ppt/slides/slide5.xml><?xml version="1.0" encoding="utf-8"?>
+<p:sld xmlns:a="http://schemas.openxmlformats.org/drawingml/2006/main" xmlns:r="http://schemas.openxmlformats.org/officeDocument/2006/relationships" xmlns:p="http://schemas.openxmlformats.org/presentationml/2006/main">
+  <p:cSld>
+    <p:spTree>
+      <p:nvGrpSpPr>
+        <p:cNvPr id="1" name=""/>
+        <p:cNvGrpSpPr/>
+        <p:nvPr/>
+      </p:nvGrpSpPr>
+      <p:grpSpPr>
+        <a:xfrm>
+          <a:off x="0" y="0"/>
+          <a:ext cx="0" cy="0"/>
+          <a:chOff x="0" y="0"/>
+          <a:chExt cx="0" cy="0"/>
+        </a:xfrm>
+      </p:grpSpPr>
+      <p:sp>
+        <p:nvSpPr>
+          <p:cNvPr id="6" name="六角形 5">
+            <a:extLst>
+              <a:ext uri="{FF2B5EF4-FFF2-40B4-BE49-F238E27FC236}">
+                <a16:creationId xmlns:a16="http://schemas.microsoft.com/office/drawing/2014/main" id="{A899BB3A-7A26-4E79-BD15-165A0B833FCB}"/>
+              </a:ext>
+            </a:extLst>
+          </p:cNvPr>
+          <p:cNvSpPr/>
+          <p:nvPr/>
+        </p:nvSpPr>
+        <p:spPr>
+          <a:xfrm>
+            <a:off x="3045203" y="1331365"/>
+            <a:ext cx="4723001" cy="4071553"/>
+          </a:xfrm>
+          <a:prstGeom prst="hexagon">
+            <a:avLst/>
+          </a:prstGeom>
+          <a:gradFill flip="none" rotWithShape="1">
+            <a:gsLst>
+              <a:gs pos="0">
+                <a:srgbClr val="00B050"/>
+              </a:gs>
+              <a:gs pos="100000">
+                <a:srgbClr val="00B0F0"/>
+              </a:gs>
+            </a:gsLst>
+            <a:lin ang="2700000" scaled="1"/>
+            <a:tileRect/>
+          </a:gradFill>
+          <a:ln>
+            <a:noFill/>
+          </a:ln>
+        </p:spPr>
+        <p:style>
+          <a:lnRef idx="2">
+            <a:schemeClr val="accent1">
+              <a:shade val="50000"/>
+            </a:schemeClr>
+          </a:lnRef>
+          <a:fillRef idx="1">
+            <a:schemeClr val="accent1"/>
+          </a:fillRef>
+          <a:effectRef idx="0">
+            <a:schemeClr val="accent1"/>
+          </a:effectRef>
+          <a:fontRef idx="minor">
+            <a:schemeClr val="lt1"/>
+          </a:fontRef>
+        </p:style>
+        <p:txBody>
+          <a:bodyPr rtlCol="0" anchor="ctr"/>
+          <a:lstStyle/>
+          <a:p>
+            <a:pPr algn="ctr"/>
+            <a:endParaRPr kumimoji="1" lang="ja-JP" altLang="en-US"/>
+          </a:p>
+        </p:txBody>
+      </p:sp>
+      <p:sp>
+        <p:nvSpPr>
+          <p:cNvPr id="7" name="正方形/長方形 6">
+            <a:extLst>
+              <a:ext uri="{FF2B5EF4-FFF2-40B4-BE49-F238E27FC236}">
+                <a16:creationId xmlns:a16="http://schemas.microsoft.com/office/drawing/2014/main" id="{1A39BFCC-FA1B-474E-BEA6-1F5CDF37D90C}"/>
+              </a:ext>
+            </a:extLst>
+          </p:cNvPr>
+          <p:cNvSpPr/>
+          <p:nvPr/>
+        </p:nvSpPr>
+        <p:spPr>
+          <a:xfrm>
+            <a:off x="4309287" y="1543868"/>
+            <a:ext cx="2194832" cy="3770263"/>
+          </a:xfrm>
+          <a:prstGeom prst="rect">
+            <a:avLst/>
+          </a:prstGeom>
+          <a:ln>
+            <a:noFill/>
+          </a:ln>
+        </p:spPr>
+        <p:txBody>
+          <a:bodyPr wrap="none">
+            <a:spAutoFit/>
+          </a:bodyPr>
+          <a:lstStyle/>
+          <a:p>
+            <a:pPr algn="ctr"/>
+            <a:r>
+              <a:rPr lang="en-US" altLang="ja-JP" sz="23900" dirty="0">
+                <a:ln w="44450">
+                  <a:noFill/>
+                </a:ln>
+                <a:solidFill>
+                  <a:schemeClr val="tx1">
+                    <a:lumMod val="85000"/>
+                    <a:lumOff val="15000"/>
+                  </a:schemeClr>
+                </a:solidFill>
+                <a:latin typeface="M+ 2c black" panose="020B0803020204020204" pitchFamily="50" charset="-128"/>
+                <a:ea typeface="M+ 2c black" panose="020B0803020204020204" pitchFamily="50" charset="-128"/>
+                <a:cs typeface="M+ 2c black" panose="020B0803020204020204" pitchFamily="50" charset="-128"/>
+              </a:rPr>
+              <a:t>?</a:t>
+            </a:r>
+            <a:endParaRPr lang="ja-JP" altLang="en-US" sz="3600" dirty="0">
+              <a:ln w="44450">
+                <a:noFill/>
+              </a:ln>
+              <a:solidFill>
+                <a:schemeClr val="tx1">
+                  <a:lumMod val="85000"/>
+                  <a:lumOff val="15000"/>
+                </a:schemeClr>
+              </a:solidFill>
+              <a:latin typeface="M+ 2c black" panose="020B0803020204020204" pitchFamily="50" charset="-128"/>
+              <a:ea typeface="M+ 2c black" panose="020B0803020204020204" pitchFamily="50" charset="-128"/>
+              <a:cs typeface="M+ 2c black" panose="020B0803020204020204" pitchFamily="50" charset="-128"/>
+            </a:endParaRPr>
+          </a:p>
+        </p:txBody>
+      </p:sp>
+    </p:spTree>
+    <p:extLst>
+      <p:ext uri="{BB962C8B-B14F-4D97-AF65-F5344CB8AC3E}">
+        <p14:creationId xmlns:p14="http://schemas.microsoft.com/office/powerpoint/2010/main" val="1570107812"/>
+      </p:ext>
+    </p:extLst>
+  </p:cSld>
+  <p:clrMapOvr>
+    <a:masterClrMapping/>
+  </p:clrMapOvr>
+</p:sld>
+</file>
+
+<file path=ppt/slides/slide6.xml><?xml version="1.0" encoding="utf-8"?>
+<p:sld xmlns:a="http://schemas.openxmlformats.org/drawingml/2006/main" xmlns:r="http://schemas.openxmlformats.org/officeDocument/2006/relationships" xmlns:p="http://schemas.openxmlformats.org/presentationml/2006/main">
+  <p:cSld>
+    <p:spTree>
+      <p:nvGrpSpPr>
+        <p:cNvPr id="1" name=""/>
+        <p:cNvGrpSpPr/>
+        <p:nvPr/>
+      </p:nvGrpSpPr>
+      <p:grpSpPr>
+        <a:xfrm>
+          <a:off x="0" y="0"/>
+          <a:ext cx="0" cy="0"/>
+          <a:chOff x="0" y="0"/>
+          <a:chExt cx="0" cy="0"/>
+        </a:xfrm>
+      </p:grpSpPr>
+      <p:sp>
+        <p:nvSpPr>
+          <p:cNvPr id="6" name="六角形 5">
+            <a:extLst>
+              <a:ext uri="{FF2B5EF4-FFF2-40B4-BE49-F238E27FC236}">
+                <a16:creationId xmlns:a16="http://schemas.microsoft.com/office/drawing/2014/main" id="{A899BB3A-7A26-4E79-BD15-165A0B833FCB}"/>
+              </a:ext>
+            </a:extLst>
+          </p:cNvPr>
+          <p:cNvSpPr/>
+          <p:nvPr/>
+        </p:nvSpPr>
+        <p:spPr>
+          <a:xfrm>
+            <a:off x="3045203" y="1331365"/>
+            <a:ext cx="4723001" cy="4071553"/>
+          </a:xfrm>
+          <a:prstGeom prst="hexagon">
+            <a:avLst/>
+          </a:prstGeom>
+          <a:gradFill flip="none" rotWithShape="1">
+            <a:gsLst>
+              <a:gs pos="0">
+                <a:srgbClr val="00B050"/>
+              </a:gs>
+              <a:gs pos="100000">
+                <a:srgbClr val="00B0F0"/>
+              </a:gs>
+            </a:gsLst>
+            <a:lin ang="2700000" scaled="1"/>
+            <a:tileRect/>
+          </a:gradFill>
+          <a:ln>
+            <a:noFill/>
+          </a:ln>
+        </p:spPr>
+        <p:style>
+          <a:lnRef idx="2">
+            <a:schemeClr val="accent1">
+              <a:shade val="50000"/>
+            </a:schemeClr>
+          </a:lnRef>
+          <a:fillRef idx="1">
+            <a:schemeClr val="accent1"/>
+          </a:fillRef>
+          <a:effectRef idx="0">
+            <a:schemeClr val="accent1"/>
+          </a:effectRef>
+          <a:fontRef idx="minor">
+            <a:schemeClr val="lt1"/>
+          </a:fontRef>
+        </p:style>
+        <p:txBody>
+          <a:bodyPr rtlCol="0" anchor="ctr"/>
+          <a:lstStyle/>
+          <a:p>
+            <a:pPr algn="ctr"/>
+            <a:endParaRPr kumimoji="1" lang="ja-JP" altLang="en-US"/>
+          </a:p>
+        </p:txBody>
+      </p:sp>
+      <p:sp>
+        <p:nvSpPr>
+          <p:cNvPr id="7" name="正方形/長方形 6">
+            <a:extLst>
+              <a:ext uri="{FF2B5EF4-FFF2-40B4-BE49-F238E27FC236}">
+                <a16:creationId xmlns:a16="http://schemas.microsoft.com/office/drawing/2014/main" id="{1A39BFCC-FA1B-474E-BEA6-1F5CDF37D90C}"/>
+              </a:ext>
+            </a:extLst>
+          </p:cNvPr>
+          <p:cNvSpPr/>
+          <p:nvPr/>
+        </p:nvSpPr>
+        <p:spPr>
+          <a:xfrm>
+            <a:off x="3781899" y="1543868"/>
+            <a:ext cx="3249608" cy="3770263"/>
+          </a:xfrm>
+          <a:prstGeom prst="rect">
+            <a:avLst/>
+          </a:prstGeom>
+          <a:ln>
+            <a:noFill/>
+          </a:ln>
+        </p:spPr>
+        <p:txBody>
+          <a:bodyPr wrap="none">
+            <a:spAutoFit/>
+          </a:bodyPr>
+          <a:lstStyle/>
+          <a:p>
+            <a:pPr algn="ctr"/>
+            <a:r>
+              <a:rPr lang="ja-JP" altLang="en-US" sz="23900" dirty="0">
+                <a:ln w="44450">
+                  <a:noFill/>
+                </a:ln>
+                <a:solidFill>
+                  <a:schemeClr val="tx1">
+                    <a:lumMod val="85000"/>
+                    <a:lumOff val="15000"/>
+                  </a:schemeClr>
+                </a:solidFill>
+                <a:latin typeface="M+ 2c black" panose="020B0803020204020204" pitchFamily="50" charset="-128"/>
+                <a:ea typeface="M+ 2c black" panose="020B0803020204020204" pitchFamily="50" charset="-128"/>
+                <a:cs typeface="M+ 2c black" panose="020B0803020204020204" pitchFamily="50" charset="-128"/>
+              </a:rPr>
+              <a:t>Ｘ</a:t>
+            </a:r>
+            <a:endParaRPr lang="ja-JP" altLang="en-US" sz="3600" dirty="0">
+              <a:ln w="44450">
+                <a:noFill/>
+              </a:ln>
+              <a:solidFill>
+                <a:schemeClr val="tx1">
+                  <a:lumMod val="85000"/>
+                  <a:lumOff val="15000"/>
+                </a:schemeClr>
+              </a:solidFill>
+              <a:latin typeface="M+ 2c black" panose="020B0803020204020204" pitchFamily="50" charset="-128"/>
+              <a:ea typeface="M+ 2c black" panose="020B0803020204020204" pitchFamily="50" charset="-128"/>
+              <a:cs typeface="M+ 2c black" panose="020B0803020204020204" pitchFamily="50" charset="-128"/>
+            </a:endParaRPr>
+          </a:p>
+        </p:txBody>
+      </p:sp>
+    </p:spTree>
+    <p:extLst>
+      <p:ext uri="{BB962C8B-B14F-4D97-AF65-F5344CB8AC3E}">
+        <p14:creationId xmlns:p14="http://schemas.microsoft.com/office/powerpoint/2010/main" val="2487006894"/>
+      </p:ext>
+    </p:extLst>
+  </p:cSld>
+  <p:clrMapOvr>
+    <a:masterClrMapping/>
+  </p:clrMapOvr>
+</p:sld>
+</file>
+
+<file path=ppt/slides/slide7.xml><?xml version="1.0" encoding="utf-8"?>
+<p:sld xmlns:a="http://schemas.openxmlformats.org/drawingml/2006/main" xmlns:r="http://schemas.openxmlformats.org/officeDocument/2006/relationships" xmlns:p="http://schemas.openxmlformats.org/presentationml/2006/main">
+  <p:cSld>
     <p:bg>
       <p:bgPr>
         <a:solidFill>

--- a/docs/logo.pptx
+++ b/docs/logo.pptx
@@ -6,12 +6,13 @@
   </p:sldMasterIdLst>
   <p:sldIdLst>
     <p:sldId id="256" r:id="rId2"/>
-    <p:sldId id="257" r:id="rId3"/>
-    <p:sldId id="261" r:id="rId4"/>
-    <p:sldId id="259" r:id="rId5"/>
-    <p:sldId id="262" r:id="rId6"/>
-    <p:sldId id="260" r:id="rId7"/>
-    <p:sldId id="258" r:id="rId8"/>
+    <p:sldId id="263" r:id="rId3"/>
+    <p:sldId id="257" r:id="rId4"/>
+    <p:sldId id="261" r:id="rId5"/>
+    <p:sldId id="259" r:id="rId6"/>
+    <p:sldId id="262" r:id="rId7"/>
+    <p:sldId id="260" r:id="rId8"/>
+    <p:sldId id="258" r:id="rId9"/>
   </p:sldIdLst>
   <p:sldSz cx="12192000" cy="6858000"/>
   <p:notesSz cx="6858000" cy="9144000"/>
@@ -265,7 +266,7 @@
           <a:p>
             <a:fld id="{6C33C58C-061C-44F1-A237-2E36B5F906E4}" type="datetimeFigureOut">
               <a:rPr kumimoji="1" lang="ja-JP" altLang="en-US" smtClean="0"/>
-              <a:t>2021/6/10</a:t>
+              <a:t>2023/1/3</a:t>
             </a:fld>
             <a:endParaRPr kumimoji="1" lang="ja-JP" altLang="en-US"/>
           </a:p>
@@ -495,7 +496,7 @@
           <a:p>
             <a:fld id="{6C33C58C-061C-44F1-A237-2E36B5F906E4}" type="datetimeFigureOut">
               <a:rPr kumimoji="1" lang="ja-JP" altLang="en-US" smtClean="0"/>
-              <a:t>2021/6/10</a:t>
+              <a:t>2023/1/3</a:t>
             </a:fld>
             <a:endParaRPr kumimoji="1" lang="ja-JP" altLang="en-US"/>
           </a:p>
@@ -735,7 +736,7 @@
           <a:p>
             <a:fld id="{6C33C58C-061C-44F1-A237-2E36B5F906E4}" type="datetimeFigureOut">
               <a:rPr kumimoji="1" lang="ja-JP" altLang="en-US" smtClean="0"/>
-              <a:t>2021/6/10</a:t>
+              <a:t>2023/1/3</a:t>
             </a:fld>
             <a:endParaRPr kumimoji="1" lang="ja-JP" altLang="en-US"/>
           </a:p>
@@ -965,7 +966,7 @@
           <a:p>
             <a:fld id="{6C33C58C-061C-44F1-A237-2E36B5F906E4}" type="datetimeFigureOut">
               <a:rPr kumimoji="1" lang="ja-JP" altLang="en-US" smtClean="0"/>
-              <a:t>2021/6/10</a:t>
+              <a:t>2023/1/3</a:t>
             </a:fld>
             <a:endParaRPr kumimoji="1" lang="ja-JP" altLang="en-US"/>
           </a:p>
@@ -1240,7 +1241,7 @@
           <a:p>
             <a:fld id="{6C33C58C-061C-44F1-A237-2E36B5F906E4}" type="datetimeFigureOut">
               <a:rPr kumimoji="1" lang="ja-JP" altLang="en-US" smtClean="0"/>
-              <a:t>2021/6/10</a:t>
+              <a:t>2023/1/3</a:t>
             </a:fld>
             <a:endParaRPr kumimoji="1" lang="ja-JP" altLang="en-US"/>
           </a:p>
@@ -1569,7 +1570,7 @@
           <a:p>
             <a:fld id="{6C33C58C-061C-44F1-A237-2E36B5F906E4}" type="datetimeFigureOut">
               <a:rPr kumimoji="1" lang="ja-JP" altLang="en-US" smtClean="0"/>
-              <a:t>2021/6/10</a:t>
+              <a:t>2023/1/3</a:t>
             </a:fld>
             <a:endParaRPr kumimoji="1" lang="ja-JP" altLang="en-US"/>
           </a:p>
@@ -2045,7 +2046,7 @@
           <a:p>
             <a:fld id="{6C33C58C-061C-44F1-A237-2E36B5F906E4}" type="datetimeFigureOut">
               <a:rPr kumimoji="1" lang="ja-JP" altLang="en-US" smtClean="0"/>
-              <a:t>2021/6/10</a:t>
+              <a:t>2023/1/3</a:t>
             </a:fld>
             <a:endParaRPr kumimoji="1" lang="ja-JP" altLang="en-US"/>
           </a:p>
@@ -2186,7 +2187,7 @@
           <a:p>
             <a:fld id="{6C33C58C-061C-44F1-A237-2E36B5F906E4}" type="datetimeFigureOut">
               <a:rPr kumimoji="1" lang="ja-JP" altLang="en-US" smtClean="0"/>
-              <a:t>2021/6/10</a:t>
+              <a:t>2023/1/3</a:t>
             </a:fld>
             <a:endParaRPr kumimoji="1" lang="ja-JP" altLang="en-US"/>
           </a:p>
@@ -2299,7 +2300,7 @@
           <a:p>
             <a:fld id="{6C33C58C-061C-44F1-A237-2E36B5F906E4}" type="datetimeFigureOut">
               <a:rPr kumimoji="1" lang="ja-JP" altLang="en-US" smtClean="0"/>
-              <a:t>2021/6/10</a:t>
+              <a:t>2023/1/3</a:t>
             </a:fld>
             <a:endParaRPr kumimoji="1" lang="ja-JP" altLang="en-US"/>
           </a:p>
@@ -2642,7 +2643,7 @@
           <a:p>
             <a:fld id="{6C33C58C-061C-44F1-A237-2E36B5F906E4}" type="datetimeFigureOut">
               <a:rPr kumimoji="1" lang="ja-JP" altLang="en-US" smtClean="0"/>
-              <a:t>2021/6/10</a:t>
+              <a:t>2023/1/3</a:t>
             </a:fld>
             <a:endParaRPr kumimoji="1" lang="ja-JP" altLang="en-US"/>
           </a:p>
@@ -2930,7 +2931,7 @@
           <a:p>
             <a:fld id="{6C33C58C-061C-44F1-A237-2E36B5F906E4}" type="datetimeFigureOut">
               <a:rPr kumimoji="1" lang="ja-JP" altLang="en-US" smtClean="0"/>
-              <a:t>2021/6/10</a:t>
+              <a:t>2023/1/3</a:t>
             </a:fld>
             <a:endParaRPr kumimoji="1" lang="ja-JP" altLang="en-US"/>
           </a:p>
@@ -3203,7 +3204,7 @@
           <a:p>
             <a:fld id="{6C33C58C-061C-44F1-A237-2E36B5F906E4}" type="datetimeFigureOut">
               <a:rPr kumimoji="1" lang="ja-JP" altLang="en-US" smtClean="0"/>
-              <a:t>2021/6/10</a:t>
+              <a:t>2023/1/3</a:t>
             </a:fld>
             <a:endParaRPr kumimoji="1" lang="ja-JP" altLang="en-US"/>
           </a:p>
@@ -3950,6 +3951,291 @@
       </p:grpSpPr>
       <p:sp>
         <p:nvSpPr>
+          <p:cNvPr id="6" name="正方形/長方形 5">
+            <a:extLst>
+              <a:ext uri="{FF2B5EF4-FFF2-40B4-BE49-F238E27FC236}">
+                <a16:creationId xmlns:a16="http://schemas.microsoft.com/office/drawing/2014/main" id="{8A1A96F4-BB3A-49C2-B614-14D1BEDE1D2E}"/>
+              </a:ext>
+            </a:extLst>
+          </p:cNvPr>
+          <p:cNvSpPr/>
+          <p:nvPr/>
+        </p:nvSpPr>
+        <p:spPr>
+          <a:xfrm>
+            <a:off x="2495999" y="1274566"/>
+            <a:ext cx="7200000" cy="3600000"/>
+          </a:xfrm>
+          <a:prstGeom prst="rect">
+            <a:avLst/>
+          </a:prstGeom>
+          <a:gradFill>
+            <a:gsLst>
+              <a:gs pos="0">
+                <a:schemeClr val="bg1">
+                  <a:lumMod val="50000"/>
+                </a:schemeClr>
+              </a:gs>
+              <a:gs pos="100000">
+                <a:schemeClr val="tx1">
+                  <a:lumMod val="75000"/>
+                  <a:lumOff val="25000"/>
+                </a:schemeClr>
+              </a:gs>
+            </a:gsLst>
+            <a:lin ang="5400000" scaled="1"/>
+          </a:gradFill>
+          <a:ln>
+            <a:noFill/>
+          </a:ln>
+        </p:spPr>
+        <p:style>
+          <a:lnRef idx="2">
+            <a:schemeClr val="accent1">
+              <a:shade val="50000"/>
+            </a:schemeClr>
+          </a:lnRef>
+          <a:fillRef idx="1">
+            <a:schemeClr val="accent1"/>
+          </a:fillRef>
+          <a:effectRef idx="0">
+            <a:schemeClr val="accent1"/>
+          </a:effectRef>
+          <a:fontRef idx="minor">
+            <a:schemeClr val="lt1"/>
+          </a:fontRef>
+        </p:style>
+        <p:txBody>
+          <a:bodyPr rtlCol="0" anchor="ctr"/>
+          <a:lstStyle/>
+          <a:p>
+            <a:pPr algn="ctr"/>
+            <a:endParaRPr kumimoji="1" lang="ja-JP" altLang="en-US"/>
+          </a:p>
+        </p:txBody>
+      </p:sp>
+      <p:sp>
+        <p:nvSpPr>
+          <p:cNvPr id="7" name="六角形 6">
+            <a:extLst>
+              <a:ext uri="{FF2B5EF4-FFF2-40B4-BE49-F238E27FC236}">
+                <a16:creationId xmlns:a16="http://schemas.microsoft.com/office/drawing/2014/main" id="{90F3E3DE-EF48-40E6-A56B-305EC76D17CB}"/>
+              </a:ext>
+            </a:extLst>
+          </p:cNvPr>
+          <p:cNvSpPr/>
+          <p:nvPr/>
+        </p:nvSpPr>
+        <p:spPr>
+          <a:xfrm>
+            <a:off x="4219207" y="1692210"/>
+            <a:ext cx="4077049" cy="2994870"/>
+          </a:xfrm>
+          <a:prstGeom prst="hexagon">
+            <a:avLst/>
+          </a:prstGeom>
+          <a:solidFill>
+            <a:schemeClr val="tx1">
+              <a:lumMod val="75000"/>
+              <a:lumOff val="25000"/>
+            </a:schemeClr>
+          </a:solidFill>
+          <a:ln>
+            <a:noFill/>
+          </a:ln>
+        </p:spPr>
+        <p:style>
+          <a:lnRef idx="2">
+            <a:schemeClr val="accent1">
+              <a:shade val="50000"/>
+            </a:schemeClr>
+          </a:lnRef>
+          <a:fillRef idx="1">
+            <a:schemeClr val="accent1"/>
+          </a:fillRef>
+          <a:effectRef idx="0">
+            <a:schemeClr val="accent1"/>
+          </a:effectRef>
+          <a:fontRef idx="minor">
+            <a:schemeClr val="lt1"/>
+          </a:fontRef>
+        </p:style>
+        <p:txBody>
+          <a:bodyPr rtlCol="0" anchor="ctr"/>
+          <a:lstStyle/>
+          <a:p>
+            <a:pPr algn="ctr"/>
+            <a:endParaRPr kumimoji="1" lang="ja-JP" altLang="en-US" sz="4400" dirty="0">
+              <a:latin typeface="M+ 2p medium" panose="020B0603020203020204" pitchFamily="50" charset="-128"/>
+              <a:ea typeface="M+ 2p medium" panose="020B0603020203020204" pitchFamily="50" charset="-128"/>
+              <a:cs typeface="M+ 2p medium" panose="020B0603020203020204" pitchFamily="50" charset="-128"/>
+            </a:endParaRPr>
+          </a:p>
+        </p:txBody>
+      </p:sp>
+      <p:sp>
+        <p:nvSpPr>
+          <p:cNvPr id="4" name="六角形 3">
+            <a:extLst>
+              <a:ext uri="{FF2B5EF4-FFF2-40B4-BE49-F238E27FC236}">
+                <a16:creationId xmlns:a16="http://schemas.microsoft.com/office/drawing/2014/main" id="{75E6C7AC-44AE-4A82-801F-2317367B3E0B}"/>
+              </a:ext>
+            </a:extLst>
+          </p:cNvPr>
+          <p:cNvSpPr/>
+          <p:nvPr/>
+        </p:nvSpPr>
+        <p:spPr>
+          <a:xfrm>
+            <a:off x="4057475" y="1577131"/>
+            <a:ext cx="4077049" cy="2994870"/>
+          </a:xfrm>
+          <a:prstGeom prst="hexagon">
+            <a:avLst/>
+          </a:prstGeom>
+          <a:solidFill>
+            <a:schemeClr val="bg2">
+              <a:lumMod val="10000"/>
+            </a:schemeClr>
+          </a:solidFill>
+          <a:ln>
+            <a:noFill/>
+          </a:ln>
+        </p:spPr>
+        <p:style>
+          <a:lnRef idx="2">
+            <a:schemeClr val="accent1">
+              <a:shade val="50000"/>
+            </a:schemeClr>
+          </a:lnRef>
+          <a:fillRef idx="1">
+            <a:schemeClr val="accent1"/>
+          </a:fillRef>
+          <a:effectRef idx="0">
+            <a:schemeClr val="accent1"/>
+          </a:effectRef>
+          <a:fontRef idx="minor">
+            <a:schemeClr val="lt1"/>
+          </a:fontRef>
+        </p:style>
+        <p:txBody>
+          <a:bodyPr rtlCol="0" anchor="ctr"/>
+          <a:lstStyle/>
+          <a:p>
+            <a:pPr algn="ctr"/>
+            <a:endParaRPr kumimoji="1" lang="ja-JP" altLang="en-US" sz="4400" dirty="0">
+              <a:latin typeface="M+ 2p medium" panose="020B0603020203020204" pitchFamily="50" charset="-128"/>
+              <a:ea typeface="M+ 2p medium" panose="020B0603020203020204" pitchFamily="50" charset="-128"/>
+              <a:cs typeface="M+ 2p medium" panose="020B0603020203020204" pitchFamily="50" charset="-128"/>
+            </a:endParaRPr>
+          </a:p>
+        </p:txBody>
+      </p:sp>
+      <p:sp>
+        <p:nvSpPr>
+          <p:cNvPr id="5" name="正方形/長方形 4">
+            <a:extLst>
+              <a:ext uri="{FF2B5EF4-FFF2-40B4-BE49-F238E27FC236}">
+                <a16:creationId xmlns:a16="http://schemas.microsoft.com/office/drawing/2014/main" id="{B528013C-3455-40AB-9EB8-9A2BFF2CD1F7}"/>
+              </a:ext>
+            </a:extLst>
+          </p:cNvPr>
+          <p:cNvSpPr/>
+          <p:nvPr/>
+        </p:nvSpPr>
+        <p:spPr>
+          <a:xfrm>
+            <a:off x="4421528" y="2290653"/>
+            <a:ext cx="3672406" cy="1785104"/>
+          </a:xfrm>
+          <a:prstGeom prst="rect">
+            <a:avLst/>
+          </a:prstGeom>
+        </p:spPr>
+        <p:txBody>
+          <a:bodyPr wrap="square">
+            <a:spAutoFit/>
+          </a:bodyPr>
+          <a:lstStyle/>
+          <a:p>
+            <a:r>
+              <a:rPr lang="en-US" altLang="ja-JP" sz="11000" dirty="0">
+                <a:solidFill>
+                  <a:srgbClr val="00B0F0"/>
+                </a:solidFill>
+                <a:latin typeface="M+ 2p black" panose="020B0803020203020204" pitchFamily="50" charset="-128"/>
+                <a:ea typeface="M+ 2p black" panose="020B0803020203020204" pitchFamily="50" charset="-128"/>
+                <a:cs typeface="M+ 2p black" panose="020B0803020203020204" pitchFamily="50" charset="-128"/>
+              </a:rPr>
+              <a:t>V</a:t>
+            </a:r>
+            <a:r>
+              <a:rPr lang="en-US" altLang="ja-JP" sz="11000" dirty="0">
+                <a:solidFill>
+                  <a:srgbClr val="FF21D5"/>
+                </a:solidFill>
+                <a:latin typeface="M+ 2p black" panose="020B0803020203020204" pitchFamily="50" charset="-128"/>
+                <a:ea typeface="M+ 2p black" panose="020B0803020203020204" pitchFamily="50" charset="-128"/>
+                <a:cs typeface="M+ 2p black" panose="020B0803020203020204" pitchFamily="50" charset="-128"/>
+              </a:rPr>
+              <a:t>M</a:t>
+            </a:r>
+            <a:r>
+              <a:rPr lang="en-US" altLang="ja-JP" sz="11000" dirty="0">
+                <a:solidFill>
+                  <a:srgbClr val="FFFF00"/>
+                </a:solidFill>
+                <a:latin typeface="M+ 2p black" panose="020B0803020203020204" pitchFamily="50" charset="-128"/>
+                <a:ea typeface="M+ 2p black" panose="020B0803020203020204" pitchFamily="50" charset="-128"/>
+                <a:cs typeface="M+ 2p black" panose="020B0803020203020204" pitchFamily="50" charset="-128"/>
+              </a:rPr>
+              <a:t>T</a:t>
+            </a:r>
+            <a:endParaRPr lang="ja-JP" altLang="en-US" sz="11000" dirty="0">
+              <a:solidFill>
+                <a:schemeClr val="bg1">
+                  <a:lumMod val="65000"/>
+                </a:schemeClr>
+              </a:solidFill>
+              <a:latin typeface="M+ 2p black" panose="020B0803020203020204" pitchFamily="50" charset="-128"/>
+              <a:ea typeface="M+ 2p black" panose="020B0803020203020204" pitchFamily="50" charset="-128"/>
+              <a:cs typeface="M+ 2p black" panose="020B0803020203020204" pitchFamily="50" charset="-128"/>
+            </a:endParaRPr>
+          </a:p>
+        </p:txBody>
+      </p:sp>
+    </p:spTree>
+    <p:extLst>
+      <p:ext uri="{BB962C8B-B14F-4D97-AF65-F5344CB8AC3E}">
+        <p14:creationId xmlns:p14="http://schemas.microsoft.com/office/powerpoint/2010/main" val="860474764"/>
+      </p:ext>
+    </p:extLst>
+  </p:cSld>
+  <p:clrMapOvr>
+    <a:masterClrMapping/>
+  </p:clrMapOvr>
+</p:sld>
+</file>
+
+<file path=ppt/slides/slide3.xml><?xml version="1.0" encoding="utf-8"?>
+<p:sld xmlns:a="http://schemas.openxmlformats.org/drawingml/2006/main" xmlns:r="http://schemas.openxmlformats.org/officeDocument/2006/relationships" xmlns:p="http://schemas.openxmlformats.org/presentationml/2006/main">
+  <p:cSld>
+    <p:spTree>
+      <p:nvGrpSpPr>
+        <p:cNvPr id="1" name=""/>
+        <p:cNvGrpSpPr/>
+        <p:nvPr/>
+      </p:nvGrpSpPr>
+      <p:grpSpPr>
+        <a:xfrm>
+          <a:off x="0" y="0"/>
+          <a:ext cx="0" cy="0"/>
+          <a:chOff x="0" y="0"/>
+          <a:chExt cx="0" cy="0"/>
+        </a:xfrm>
+      </p:grpSpPr>
+      <p:sp>
+        <p:nvSpPr>
           <p:cNvPr id="6" name="六角形 5">
             <a:extLst>
               <a:ext uri="{FF2B5EF4-FFF2-40B4-BE49-F238E27FC236}">
@@ -4086,7 +4372,7 @@
 </p:sld>
 </file>
 
-<file path=ppt/slides/slide3.xml><?xml version="1.0" encoding="utf-8"?>
+<file path=ppt/slides/slide4.xml><?xml version="1.0" encoding="utf-8"?>
 <p:sld xmlns:a="http://schemas.openxmlformats.org/drawingml/2006/main" xmlns:r="http://schemas.openxmlformats.org/officeDocument/2006/relationships" xmlns:p="http://schemas.openxmlformats.org/presentationml/2006/main">
   <p:cSld>
     <p:spTree>
@@ -4177,7 +4463,7 @@
 </p:sld>
 </file>
 
-<file path=ppt/slides/slide4.xml><?xml version="1.0" encoding="utf-8"?>
+<file path=ppt/slides/slide5.xml><?xml version="1.0" encoding="utf-8"?>
 <p:sld xmlns:a="http://schemas.openxmlformats.org/drawingml/2006/main" xmlns:r="http://schemas.openxmlformats.org/officeDocument/2006/relationships" xmlns:p="http://schemas.openxmlformats.org/presentationml/2006/main">
   <p:cSld>
     <p:spTree>
@@ -4333,7 +4619,7 @@
 </p:sld>
 </file>
 
-<file path=ppt/slides/slide5.xml><?xml version="1.0" encoding="utf-8"?>
+<file path=ppt/slides/slide6.xml><?xml version="1.0" encoding="utf-8"?>
 <p:sld xmlns:a="http://schemas.openxmlformats.org/drawingml/2006/main" xmlns:r="http://schemas.openxmlformats.org/officeDocument/2006/relationships" xmlns:p="http://schemas.openxmlformats.org/presentationml/2006/main">
   <p:cSld>
     <p:spTree>
@@ -4489,7 +4775,7 @@
 </p:sld>
 </file>
 
-<file path=ppt/slides/slide6.xml><?xml version="1.0" encoding="utf-8"?>
+<file path=ppt/slides/slide7.xml><?xml version="1.0" encoding="utf-8"?>
 <p:sld xmlns:a="http://schemas.openxmlformats.org/drawingml/2006/main" xmlns:r="http://schemas.openxmlformats.org/officeDocument/2006/relationships" xmlns:p="http://schemas.openxmlformats.org/presentationml/2006/main">
   <p:cSld>
     <p:spTree>
@@ -4645,7 +4931,7 @@
 </p:sld>
 </file>
 
-<file path=ppt/slides/slide7.xml><?xml version="1.0" encoding="utf-8"?>
+<file path=ppt/slides/slide8.xml><?xml version="1.0" encoding="utf-8"?>
 <p:sld xmlns:a="http://schemas.openxmlformats.org/drawingml/2006/main" xmlns:r="http://schemas.openxmlformats.org/officeDocument/2006/relationships" xmlns:p="http://schemas.openxmlformats.org/presentationml/2006/main">
   <p:cSld>
     <p:bg>

--- a/docs/logo.pptx
+++ b/docs/logo.pptx
@@ -8,11 +8,15 @@
     <p:sldId id="256" r:id="rId2"/>
     <p:sldId id="263" r:id="rId3"/>
     <p:sldId id="257" r:id="rId4"/>
-    <p:sldId id="261" r:id="rId5"/>
-    <p:sldId id="259" r:id="rId6"/>
-    <p:sldId id="262" r:id="rId7"/>
-    <p:sldId id="260" r:id="rId8"/>
-    <p:sldId id="258" r:id="rId9"/>
+    <p:sldId id="264" r:id="rId5"/>
+    <p:sldId id="261" r:id="rId6"/>
+    <p:sldId id="259" r:id="rId7"/>
+    <p:sldId id="266" r:id="rId8"/>
+    <p:sldId id="262" r:id="rId9"/>
+    <p:sldId id="265" r:id="rId10"/>
+    <p:sldId id="260" r:id="rId11"/>
+    <p:sldId id="267" r:id="rId12"/>
+    <p:sldId id="258" r:id="rId13"/>
   </p:sldIdLst>
   <p:sldSz cx="12192000" cy="6858000"/>
   <p:notesSz cx="6858000" cy="9144000"/>
@@ -266,7 +270,7 @@
           <a:p>
             <a:fld id="{6C33C58C-061C-44F1-A237-2E36B5F906E4}" type="datetimeFigureOut">
               <a:rPr kumimoji="1" lang="ja-JP" altLang="en-US" smtClean="0"/>
-              <a:t>2023/1/3</a:t>
+              <a:t>2023/1/15</a:t>
             </a:fld>
             <a:endParaRPr kumimoji="1" lang="ja-JP" altLang="en-US"/>
           </a:p>
@@ -496,7 +500,7 @@
           <a:p>
             <a:fld id="{6C33C58C-061C-44F1-A237-2E36B5F906E4}" type="datetimeFigureOut">
               <a:rPr kumimoji="1" lang="ja-JP" altLang="en-US" smtClean="0"/>
-              <a:t>2023/1/3</a:t>
+              <a:t>2023/1/15</a:t>
             </a:fld>
             <a:endParaRPr kumimoji="1" lang="ja-JP" altLang="en-US"/>
           </a:p>
@@ -736,7 +740,7 @@
           <a:p>
             <a:fld id="{6C33C58C-061C-44F1-A237-2E36B5F906E4}" type="datetimeFigureOut">
               <a:rPr kumimoji="1" lang="ja-JP" altLang="en-US" smtClean="0"/>
-              <a:t>2023/1/3</a:t>
+              <a:t>2023/1/15</a:t>
             </a:fld>
             <a:endParaRPr kumimoji="1" lang="ja-JP" altLang="en-US"/>
           </a:p>
@@ -966,7 +970,7 @@
           <a:p>
             <a:fld id="{6C33C58C-061C-44F1-A237-2E36B5F906E4}" type="datetimeFigureOut">
               <a:rPr kumimoji="1" lang="ja-JP" altLang="en-US" smtClean="0"/>
-              <a:t>2023/1/3</a:t>
+              <a:t>2023/1/15</a:t>
             </a:fld>
             <a:endParaRPr kumimoji="1" lang="ja-JP" altLang="en-US"/>
           </a:p>
@@ -1241,7 +1245,7 @@
           <a:p>
             <a:fld id="{6C33C58C-061C-44F1-A237-2E36B5F906E4}" type="datetimeFigureOut">
               <a:rPr kumimoji="1" lang="ja-JP" altLang="en-US" smtClean="0"/>
-              <a:t>2023/1/3</a:t>
+              <a:t>2023/1/15</a:t>
             </a:fld>
             <a:endParaRPr kumimoji="1" lang="ja-JP" altLang="en-US"/>
           </a:p>
@@ -1570,7 +1574,7 @@
           <a:p>
             <a:fld id="{6C33C58C-061C-44F1-A237-2E36B5F906E4}" type="datetimeFigureOut">
               <a:rPr kumimoji="1" lang="ja-JP" altLang="en-US" smtClean="0"/>
-              <a:t>2023/1/3</a:t>
+              <a:t>2023/1/15</a:t>
             </a:fld>
             <a:endParaRPr kumimoji="1" lang="ja-JP" altLang="en-US"/>
           </a:p>
@@ -2046,7 +2050,7 @@
           <a:p>
             <a:fld id="{6C33C58C-061C-44F1-A237-2E36B5F906E4}" type="datetimeFigureOut">
               <a:rPr kumimoji="1" lang="ja-JP" altLang="en-US" smtClean="0"/>
-              <a:t>2023/1/3</a:t>
+              <a:t>2023/1/15</a:t>
             </a:fld>
             <a:endParaRPr kumimoji="1" lang="ja-JP" altLang="en-US"/>
           </a:p>
@@ -2187,7 +2191,7 @@
           <a:p>
             <a:fld id="{6C33C58C-061C-44F1-A237-2E36B5F906E4}" type="datetimeFigureOut">
               <a:rPr kumimoji="1" lang="ja-JP" altLang="en-US" smtClean="0"/>
-              <a:t>2023/1/3</a:t>
+              <a:t>2023/1/15</a:t>
             </a:fld>
             <a:endParaRPr kumimoji="1" lang="ja-JP" altLang="en-US"/>
           </a:p>
@@ -2300,7 +2304,7 @@
           <a:p>
             <a:fld id="{6C33C58C-061C-44F1-A237-2E36B5F906E4}" type="datetimeFigureOut">
               <a:rPr kumimoji="1" lang="ja-JP" altLang="en-US" smtClean="0"/>
-              <a:t>2023/1/3</a:t>
+              <a:t>2023/1/15</a:t>
             </a:fld>
             <a:endParaRPr kumimoji="1" lang="ja-JP" altLang="en-US"/>
           </a:p>
@@ -2643,7 +2647,7 @@
           <a:p>
             <a:fld id="{6C33C58C-061C-44F1-A237-2E36B5F906E4}" type="datetimeFigureOut">
               <a:rPr kumimoji="1" lang="ja-JP" altLang="en-US" smtClean="0"/>
-              <a:t>2023/1/3</a:t>
+              <a:t>2023/1/15</a:t>
             </a:fld>
             <a:endParaRPr kumimoji="1" lang="ja-JP" altLang="en-US"/>
           </a:p>
@@ -2931,7 +2935,7 @@
           <a:p>
             <a:fld id="{6C33C58C-061C-44F1-A237-2E36B5F906E4}" type="datetimeFigureOut">
               <a:rPr kumimoji="1" lang="ja-JP" altLang="en-US" smtClean="0"/>
-              <a:t>2023/1/3</a:t>
+              <a:t>2023/1/15</a:t>
             </a:fld>
             <a:endParaRPr kumimoji="1" lang="ja-JP" altLang="en-US"/>
           </a:p>
@@ -3204,7 +3208,7 @@
           <a:p>
             <a:fld id="{6C33C58C-061C-44F1-A237-2E36B5F906E4}" type="datetimeFigureOut">
               <a:rPr kumimoji="1" lang="ja-JP" altLang="en-US" smtClean="0"/>
-              <a:t>2023/1/3</a:t>
+              <a:t>2023/1/15</a:t>
             </a:fld>
             <a:endParaRPr kumimoji="1" lang="ja-JP" altLang="en-US"/>
           </a:p>
@@ -3932,6 +3936,600 @@
 </p:sld>
 </file>
 
+<file path=ppt/slides/slide10.xml><?xml version="1.0" encoding="utf-8"?>
+<p:sld xmlns:a="http://schemas.openxmlformats.org/drawingml/2006/main" xmlns:r="http://schemas.openxmlformats.org/officeDocument/2006/relationships" xmlns:p="http://schemas.openxmlformats.org/presentationml/2006/main">
+  <p:cSld>
+    <p:spTree>
+      <p:nvGrpSpPr>
+        <p:cNvPr id="1" name=""/>
+        <p:cNvGrpSpPr/>
+        <p:nvPr/>
+      </p:nvGrpSpPr>
+      <p:grpSpPr>
+        <a:xfrm>
+          <a:off x="0" y="0"/>
+          <a:ext cx="0" cy="0"/>
+          <a:chOff x="0" y="0"/>
+          <a:chExt cx="0" cy="0"/>
+        </a:xfrm>
+      </p:grpSpPr>
+      <p:sp>
+        <p:nvSpPr>
+          <p:cNvPr id="6" name="六角形 5">
+            <a:extLst>
+              <a:ext uri="{FF2B5EF4-FFF2-40B4-BE49-F238E27FC236}">
+                <a16:creationId xmlns:a16="http://schemas.microsoft.com/office/drawing/2014/main" id="{A899BB3A-7A26-4E79-BD15-165A0B833FCB}"/>
+              </a:ext>
+            </a:extLst>
+          </p:cNvPr>
+          <p:cNvSpPr/>
+          <p:nvPr/>
+        </p:nvSpPr>
+        <p:spPr>
+          <a:xfrm>
+            <a:off x="3045203" y="1331365"/>
+            <a:ext cx="4723001" cy="4071553"/>
+          </a:xfrm>
+          <a:prstGeom prst="hexagon">
+            <a:avLst/>
+          </a:prstGeom>
+          <a:gradFill flip="none" rotWithShape="1">
+            <a:gsLst>
+              <a:gs pos="0">
+                <a:srgbClr val="00B050"/>
+              </a:gs>
+              <a:gs pos="100000">
+                <a:srgbClr val="00B0F0"/>
+              </a:gs>
+            </a:gsLst>
+            <a:lin ang="2700000" scaled="1"/>
+            <a:tileRect/>
+          </a:gradFill>
+          <a:ln>
+            <a:noFill/>
+          </a:ln>
+        </p:spPr>
+        <p:style>
+          <a:lnRef idx="2">
+            <a:schemeClr val="accent1">
+              <a:shade val="50000"/>
+            </a:schemeClr>
+          </a:lnRef>
+          <a:fillRef idx="1">
+            <a:schemeClr val="accent1"/>
+          </a:fillRef>
+          <a:effectRef idx="0">
+            <a:schemeClr val="accent1"/>
+          </a:effectRef>
+          <a:fontRef idx="minor">
+            <a:schemeClr val="lt1"/>
+          </a:fontRef>
+        </p:style>
+        <p:txBody>
+          <a:bodyPr rtlCol="0" anchor="ctr"/>
+          <a:lstStyle/>
+          <a:p>
+            <a:pPr algn="ctr"/>
+            <a:endParaRPr kumimoji="1" lang="ja-JP" altLang="en-US"/>
+          </a:p>
+        </p:txBody>
+      </p:sp>
+      <p:sp>
+        <p:nvSpPr>
+          <p:cNvPr id="7" name="正方形/長方形 6">
+            <a:extLst>
+              <a:ext uri="{FF2B5EF4-FFF2-40B4-BE49-F238E27FC236}">
+                <a16:creationId xmlns:a16="http://schemas.microsoft.com/office/drawing/2014/main" id="{1A39BFCC-FA1B-474E-BEA6-1F5CDF37D90C}"/>
+              </a:ext>
+            </a:extLst>
+          </p:cNvPr>
+          <p:cNvSpPr/>
+          <p:nvPr/>
+        </p:nvSpPr>
+        <p:spPr>
+          <a:xfrm>
+            <a:off x="3781899" y="1543868"/>
+            <a:ext cx="3249608" cy="3770263"/>
+          </a:xfrm>
+          <a:prstGeom prst="rect">
+            <a:avLst/>
+          </a:prstGeom>
+          <a:ln>
+            <a:noFill/>
+          </a:ln>
+        </p:spPr>
+        <p:txBody>
+          <a:bodyPr wrap="none">
+            <a:spAutoFit/>
+          </a:bodyPr>
+          <a:lstStyle/>
+          <a:p>
+            <a:pPr algn="ctr"/>
+            <a:r>
+              <a:rPr lang="ja-JP" altLang="en-US" sz="23900" dirty="0">
+                <a:ln w="44450">
+                  <a:noFill/>
+                </a:ln>
+                <a:solidFill>
+                  <a:schemeClr val="tx1">
+                    <a:lumMod val="85000"/>
+                    <a:lumOff val="15000"/>
+                  </a:schemeClr>
+                </a:solidFill>
+                <a:latin typeface="M+ 2c black" panose="020B0803020204020204" pitchFamily="50" charset="-128"/>
+                <a:ea typeface="M+ 2c black" panose="020B0803020204020204" pitchFamily="50" charset="-128"/>
+                <a:cs typeface="M+ 2c black" panose="020B0803020204020204" pitchFamily="50" charset="-128"/>
+              </a:rPr>
+              <a:t>Ｘ</a:t>
+            </a:r>
+            <a:endParaRPr lang="ja-JP" altLang="en-US" sz="3600" dirty="0">
+              <a:ln w="44450">
+                <a:noFill/>
+              </a:ln>
+              <a:solidFill>
+                <a:schemeClr val="tx1">
+                  <a:lumMod val="85000"/>
+                  <a:lumOff val="15000"/>
+                </a:schemeClr>
+              </a:solidFill>
+              <a:latin typeface="M+ 2c black" panose="020B0803020204020204" pitchFamily="50" charset="-128"/>
+              <a:ea typeface="M+ 2c black" panose="020B0803020204020204" pitchFamily="50" charset="-128"/>
+              <a:cs typeface="M+ 2c black" panose="020B0803020204020204" pitchFamily="50" charset="-128"/>
+            </a:endParaRPr>
+          </a:p>
+        </p:txBody>
+      </p:sp>
+    </p:spTree>
+    <p:extLst>
+      <p:ext uri="{BB962C8B-B14F-4D97-AF65-F5344CB8AC3E}">
+        <p14:creationId xmlns:p14="http://schemas.microsoft.com/office/powerpoint/2010/main" val="2487006894"/>
+      </p:ext>
+    </p:extLst>
+  </p:cSld>
+  <p:clrMapOvr>
+    <a:masterClrMapping/>
+  </p:clrMapOvr>
+</p:sld>
+</file>
+
+<file path=ppt/slides/slide11.xml><?xml version="1.0" encoding="utf-8"?>
+<p:sld xmlns:a="http://schemas.openxmlformats.org/drawingml/2006/main" xmlns:r="http://schemas.openxmlformats.org/officeDocument/2006/relationships" xmlns:p="http://schemas.openxmlformats.org/presentationml/2006/main">
+  <p:cSld>
+    <p:spTree>
+      <p:nvGrpSpPr>
+        <p:cNvPr id="1" name=""/>
+        <p:cNvGrpSpPr/>
+        <p:nvPr/>
+      </p:nvGrpSpPr>
+      <p:grpSpPr>
+        <a:xfrm>
+          <a:off x="0" y="0"/>
+          <a:ext cx="0" cy="0"/>
+          <a:chOff x="0" y="0"/>
+          <a:chExt cx="0" cy="0"/>
+        </a:xfrm>
+      </p:grpSpPr>
+      <p:sp>
+        <p:nvSpPr>
+          <p:cNvPr id="6" name="六角形 5">
+            <a:extLst>
+              <a:ext uri="{FF2B5EF4-FFF2-40B4-BE49-F238E27FC236}">
+                <a16:creationId xmlns:a16="http://schemas.microsoft.com/office/drawing/2014/main" id="{A899BB3A-7A26-4E79-BD15-165A0B833FCB}"/>
+              </a:ext>
+            </a:extLst>
+          </p:cNvPr>
+          <p:cNvSpPr/>
+          <p:nvPr/>
+        </p:nvSpPr>
+        <p:spPr>
+          <a:xfrm>
+            <a:off x="3045203" y="1331365"/>
+            <a:ext cx="4723001" cy="4071553"/>
+          </a:xfrm>
+          <a:prstGeom prst="hexagon">
+            <a:avLst/>
+          </a:prstGeom>
+          <a:gradFill flip="none" rotWithShape="1">
+            <a:gsLst>
+              <a:gs pos="0">
+                <a:srgbClr val="00B050"/>
+              </a:gs>
+              <a:gs pos="100000">
+                <a:srgbClr val="00B0F0"/>
+              </a:gs>
+            </a:gsLst>
+            <a:lin ang="2700000" scaled="1"/>
+            <a:tileRect/>
+          </a:gradFill>
+          <a:ln>
+            <a:noFill/>
+          </a:ln>
+        </p:spPr>
+        <p:style>
+          <a:lnRef idx="2">
+            <a:schemeClr val="accent1">
+              <a:shade val="50000"/>
+            </a:schemeClr>
+          </a:lnRef>
+          <a:fillRef idx="1">
+            <a:schemeClr val="accent1"/>
+          </a:fillRef>
+          <a:effectRef idx="0">
+            <a:schemeClr val="accent1"/>
+          </a:effectRef>
+          <a:fontRef idx="minor">
+            <a:schemeClr val="lt1"/>
+          </a:fontRef>
+        </p:style>
+        <p:txBody>
+          <a:bodyPr rtlCol="0" anchor="ctr"/>
+          <a:lstStyle/>
+          <a:p>
+            <a:pPr algn="ctr"/>
+            <a:endParaRPr kumimoji="1" lang="ja-JP" altLang="en-US"/>
+          </a:p>
+        </p:txBody>
+      </p:sp>
+      <p:sp>
+        <p:nvSpPr>
+          <p:cNvPr id="3" name="六角形 2">
+            <a:extLst>
+              <a:ext uri="{FF2B5EF4-FFF2-40B4-BE49-F238E27FC236}">
+                <a16:creationId xmlns:a16="http://schemas.microsoft.com/office/drawing/2014/main" id="{DFD1B038-57B9-CF4C-D8E1-A70B82CA5A27}"/>
+              </a:ext>
+            </a:extLst>
+          </p:cNvPr>
+          <p:cNvSpPr/>
+          <p:nvPr/>
+        </p:nvSpPr>
+        <p:spPr>
+          <a:xfrm>
+            <a:off x="3222717" y="1484394"/>
+            <a:ext cx="4367971" cy="3765492"/>
+          </a:xfrm>
+          <a:prstGeom prst="hexagon">
+            <a:avLst/>
+          </a:prstGeom>
+          <a:solidFill>
+            <a:srgbClr val="262626"/>
+          </a:solidFill>
+          <a:ln>
+            <a:noFill/>
+          </a:ln>
+        </p:spPr>
+        <p:style>
+          <a:lnRef idx="2">
+            <a:schemeClr val="accent1">
+              <a:shade val="50000"/>
+            </a:schemeClr>
+          </a:lnRef>
+          <a:fillRef idx="1">
+            <a:schemeClr val="accent1"/>
+          </a:fillRef>
+          <a:effectRef idx="0">
+            <a:schemeClr val="accent1"/>
+          </a:effectRef>
+          <a:fontRef idx="minor">
+            <a:schemeClr val="lt1"/>
+          </a:fontRef>
+        </p:style>
+        <p:txBody>
+          <a:bodyPr rtlCol="0" anchor="ctr"/>
+          <a:lstStyle/>
+          <a:p>
+            <a:pPr algn="ctr"/>
+            <a:endParaRPr kumimoji="1" lang="ja-JP" altLang="en-US"/>
+          </a:p>
+        </p:txBody>
+      </p:sp>
+      <p:sp>
+        <p:nvSpPr>
+          <p:cNvPr id="7" name="正方形/長方形 6">
+            <a:extLst>
+              <a:ext uri="{FF2B5EF4-FFF2-40B4-BE49-F238E27FC236}">
+                <a16:creationId xmlns:a16="http://schemas.microsoft.com/office/drawing/2014/main" id="{1A39BFCC-FA1B-474E-BEA6-1F5CDF37D90C}"/>
+              </a:ext>
+            </a:extLst>
+          </p:cNvPr>
+          <p:cNvSpPr/>
+          <p:nvPr/>
+        </p:nvSpPr>
+        <p:spPr>
+          <a:xfrm>
+            <a:off x="3781899" y="1543868"/>
+            <a:ext cx="3249608" cy="3770263"/>
+          </a:xfrm>
+          <a:prstGeom prst="rect">
+            <a:avLst/>
+          </a:prstGeom>
+          <a:ln>
+            <a:noFill/>
+          </a:ln>
+        </p:spPr>
+        <p:txBody>
+          <a:bodyPr wrap="none">
+            <a:spAutoFit/>
+          </a:bodyPr>
+          <a:lstStyle/>
+          <a:p>
+            <a:pPr algn="ctr"/>
+            <a:r>
+              <a:rPr lang="ja-JP" altLang="en-US" sz="23900" dirty="0">
+                <a:ln w="44450">
+                  <a:noFill/>
+                </a:ln>
+                <a:gradFill>
+                  <a:gsLst>
+                    <a:gs pos="0">
+                      <a:srgbClr val="00B050"/>
+                    </a:gs>
+                    <a:gs pos="100000">
+                      <a:srgbClr val="00B0F0"/>
+                    </a:gs>
+                  </a:gsLst>
+                  <a:lin ang="2700000" scaled="1"/>
+                </a:gradFill>
+                <a:latin typeface="M+ 2c black" panose="020B0803020204020204" pitchFamily="50" charset="-128"/>
+                <a:ea typeface="M+ 2c black" panose="020B0803020204020204" pitchFamily="50" charset="-128"/>
+                <a:cs typeface="M+ 2c black" panose="020B0803020204020204" pitchFamily="50" charset="-128"/>
+              </a:rPr>
+              <a:t>Ｘ</a:t>
+            </a:r>
+            <a:endParaRPr lang="ja-JP" altLang="en-US" sz="3600" dirty="0">
+              <a:ln w="44450">
+                <a:noFill/>
+              </a:ln>
+              <a:gradFill>
+                <a:gsLst>
+                  <a:gs pos="0">
+                    <a:srgbClr val="00B050"/>
+                  </a:gs>
+                  <a:gs pos="100000">
+                    <a:srgbClr val="00B0F0"/>
+                  </a:gs>
+                </a:gsLst>
+                <a:lin ang="2700000" scaled="1"/>
+              </a:gradFill>
+              <a:latin typeface="M+ 2c black" panose="020B0803020204020204" pitchFamily="50" charset="-128"/>
+              <a:ea typeface="M+ 2c black" panose="020B0803020204020204" pitchFamily="50" charset="-128"/>
+              <a:cs typeface="M+ 2c black" panose="020B0803020204020204" pitchFamily="50" charset="-128"/>
+            </a:endParaRPr>
+          </a:p>
+        </p:txBody>
+      </p:sp>
+    </p:spTree>
+    <p:extLst>
+      <p:ext uri="{BB962C8B-B14F-4D97-AF65-F5344CB8AC3E}">
+        <p14:creationId xmlns:p14="http://schemas.microsoft.com/office/powerpoint/2010/main" val="460547132"/>
+      </p:ext>
+    </p:extLst>
+  </p:cSld>
+  <p:clrMapOvr>
+    <a:masterClrMapping/>
+  </p:clrMapOvr>
+</p:sld>
+</file>
+
+<file path=ppt/slides/slide12.xml><?xml version="1.0" encoding="utf-8"?>
+<p:sld xmlns:a="http://schemas.openxmlformats.org/drawingml/2006/main" xmlns:r="http://schemas.openxmlformats.org/officeDocument/2006/relationships" xmlns:p="http://schemas.openxmlformats.org/presentationml/2006/main">
+  <p:cSld>
+    <p:bg>
+      <p:bgPr>
+        <a:solidFill>
+          <a:schemeClr val="tx1"/>
+        </a:solidFill>
+        <a:effectLst/>
+      </p:bgPr>
+    </p:bg>
+    <p:spTree>
+      <p:nvGrpSpPr>
+        <p:cNvPr id="1" name=""/>
+        <p:cNvGrpSpPr/>
+        <p:nvPr/>
+      </p:nvGrpSpPr>
+      <p:grpSpPr>
+        <a:xfrm>
+          <a:off x="0" y="0"/>
+          <a:ext cx="0" cy="0"/>
+          <a:chOff x="0" y="0"/>
+          <a:chExt cx="0" cy="0"/>
+        </a:xfrm>
+      </p:grpSpPr>
+      <p:sp>
+        <p:nvSpPr>
+          <p:cNvPr id="4" name="六角形 3">
+            <a:extLst>
+              <a:ext uri="{FF2B5EF4-FFF2-40B4-BE49-F238E27FC236}">
+                <a16:creationId xmlns:a16="http://schemas.microsoft.com/office/drawing/2014/main" id="{34B775C3-0280-48B1-BEEF-E7DAD5C3063F}"/>
+              </a:ext>
+            </a:extLst>
+          </p:cNvPr>
+          <p:cNvSpPr/>
+          <p:nvPr/>
+        </p:nvSpPr>
+        <p:spPr>
+          <a:xfrm>
+            <a:off x="4057475" y="1577131"/>
+            <a:ext cx="4077049" cy="2994870"/>
+          </a:xfrm>
+          <a:prstGeom prst="hexagon">
+            <a:avLst/>
+          </a:prstGeom>
+          <a:gradFill>
+            <a:gsLst>
+              <a:gs pos="0">
+                <a:srgbClr val="00421E"/>
+              </a:gs>
+              <a:gs pos="100000">
+                <a:srgbClr val="003E54"/>
+              </a:gs>
+            </a:gsLst>
+            <a:lin ang="5400000" scaled="1"/>
+          </a:gradFill>
+          <a:ln w="28575">
+            <a:solidFill>
+              <a:schemeClr val="bg1"/>
+            </a:solidFill>
+          </a:ln>
+        </p:spPr>
+        <p:style>
+          <a:lnRef idx="2">
+            <a:schemeClr val="accent1">
+              <a:shade val="50000"/>
+            </a:schemeClr>
+          </a:lnRef>
+          <a:fillRef idx="1">
+            <a:schemeClr val="accent1"/>
+          </a:fillRef>
+          <a:effectRef idx="0">
+            <a:schemeClr val="accent1"/>
+          </a:effectRef>
+          <a:fontRef idx="minor">
+            <a:schemeClr val="lt1"/>
+          </a:fontRef>
+        </p:style>
+        <p:txBody>
+          <a:bodyPr rtlCol="0" anchor="ctr"/>
+          <a:lstStyle/>
+          <a:p>
+            <a:pPr algn="ctr"/>
+            <a:endParaRPr kumimoji="1" lang="ja-JP" altLang="en-US" sz="4400" dirty="0">
+              <a:latin typeface="M+ 2p medium" panose="020B0603020203020204" pitchFamily="50" charset="-128"/>
+              <a:ea typeface="M+ 2p medium" panose="020B0603020203020204" pitchFamily="50" charset="-128"/>
+              <a:cs typeface="M+ 2p medium" panose="020B0603020203020204" pitchFamily="50" charset="-128"/>
+            </a:endParaRPr>
+          </a:p>
+        </p:txBody>
+      </p:sp>
+      <p:sp>
+        <p:nvSpPr>
+          <p:cNvPr id="5" name="正方形/長方形 4">
+            <a:extLst>
+              <a:ext uri="{FF2B5EF4-FFF2-40B4-BE49-F238E27FC236}">
+                <a16:creationId xmlns:a16="http://schemas.microsoft.com/office/drawing/2014/main" id="{CD2294DE-05C2-4003-A10D-1AE5FE4C388B}"/>
+              </a:ext>
+            </a:extLst>
+          </p:cNvPr>
+          <p:cNvSpPr/>
+          <p:nvPr/>
+        </p:nvSpPr>
+        <p:spPr>
+          <a:xfrm>
+            <a:off x="5075483" y="2117361"/>
+            <a:ext cx="2298440" cy="1938992"/>
+          </a:xfrm>
+          <a:prstGeom prst="rect">
+            <a:avLst/>
+          </a:prstGeom>
+        </p:spPr>
+        <p:txBody>
+          <a:bodyPr wrap="square">
+            <a:spAutoFit/>
+          </a:bodyPr>
+          <a:lstStyle/>
+          <a:p>
+            <a:r>
+              <a:rPr lang="en-US" altLang="ja-JP" sz="4000" dirty="0">
+                <a:solidFill>
+                  <a:srgbClr val="00B0F0"/>
+                </a:solidFill>
+                <a:latin typeface="M+ 2p medium" panose="020B0603020203020204" pitchFamily="50" charset="-128"/>
+                <a:ea typeface="M+ 2p medium" panose="020B0603020203020204" pitchFamily="50" charset="-128"/>
+                <a:cs typeface="M+ 2p medium" panose="020B0603020203020204" pitchFamily="50" charset="-128"/>
+              </a:rPr>
+              <a:t>V</a:t>
+            </a:r>
+            <a:r>
+              <a:rPr lang="en-US" altLang="ja-JP" sz="4000" dirty="0">
+                <a:solidFill>
+                  <a:schemeClr val="bg1">
+                    <a:lumMod val="65000"/>
+                  </a:schemeClr>
+                </a:solidFill>
+                <a:latin typeface="M+ 2p medium" panose="020B0603020203020204" pitchFamily="50" charset="-128"/>
+                <a:ea typeface="M+ 2p medium" panose="020B0603020203020204" pitchFamily="50" charset="-128"/>
+                <a:cs typeface="M+ 2p medium" panose="020B0603020203020204" pitchFamily="50" charset="-128"/>
+              </a:rPr>
+              <a:t>irtual </a:t>
+            </a:r>
+          </a:p>
+          <a:p>
+            <a:r>
+              <a:rPr lang="en-US" altLang="ja-JP" sz="4000" dirty="0">
+                <a:solidFill>
+                  <a:srgbClr val="FF21D5"/>
+                </a:solidFill>
+                <a:latin typeface="M+ 2p medium" panose="020B0603020203020204" pitchFamily="50" charset="-128"/>
+                <a:ea typeface="M+ 2p medium" panose="020B0603020203020204" pitchFamily="50" charset="-128"/>
+                <a:cs typeface="M+ 2p medium" panose="020B0603020203020204" pitchFamily="50" charset="-128"/>
+              </a:rPr>
+              <a:t>M</a:t>
+            </a:r>
+            <a:r>
+              <a:rPr lang="en-US" altLang="ja-JP" sz="4000" dirty="0">
+                <a:solidFill>
+                  <a:schemeClr val="bg1">
+                    <a:lumMod val="65000"/>
+                  </a:schemeClr>
+                </a:solidFill>
+                <a:latin typeface="M+ 2p medium" panose="020B0603020203020204" pitchFamily="50" charset="-128"/>
+                <a:ea typeface="M+ 2p medium" panose="020B0603020203020204" pitchFamily="50" charset="-128"/>
+                <a:cs typeface="M+ 2p medium" panose="020B0603020203020204" pitchFamily="50" charset="-128"/>
+              </a:rPr>
+              <a:t>otion</a:t>
+            </a:r>
+          </a:p>
+          <a:p>
+            <a:r>
+              <a:rPr lang="en-US" altLang="ja-JP" sz="4000" dirty="0">
+                <a:solidFill>
+                  <a:srgbClr val="FFFF00"/>
+                </a:solidFill>
+                <a:latin typeface="M+ 2p medium" panose="020B0603020203020204" pitchFamily="50" charset="-128"/>
+                <a:ea typeface="M+ 2p medium" panose="020B0603020203020204" pitchFamily="50" charset="-128"/>
+                <a:cs typeface="M+ 2p medium" panose="020B0603020203020204" pitchFamily="50" charset="-128"/>
+              </a:rPr>
+              <a:t>T</a:t>
+            </a:r>
+            <a:r>
+              <a:rPr lang="en-US" altLang="ja-JP" sz="4000" dirty="0">
+                <a:solidFill>
+                  <a:schemeClr val="bg1">
+                    <a:lumMod val="65000"/>
+                  </a:schemeClr>
+                </a:solidFill>
+                <a:latin typeface="M+ 2p medium" panose="020B0603020203020204" pitchFamily="50" charset="-128"/>
+                <a:ea typeface="M+ 2p medium" panose="020B0603020203020204" pitchFamily="50" charset="-128"/>
+                <a:cs typeface="M+ 2p medium" panose="020B0603020203020204" pitchFamily="50" charset="-128"/>
+              </a:rPr>
+              <a:t>racker</a:t>
+            </a:r>
+            <a:endParaRPr lang="ja-JP" altLang="en-US" sz="4000" dirty="0">
+              <a:solidFill>
+                <a:schemeClr val="bg1">
+                  <a:lumMod val="65000"/>
+                </a:schemeClr>
+              </a:solidFill>
+              <a:latin typeface="M+ 2p medium" panose="020B0603020203020204" pitchFamily="50" charset="-128"/>
+              <a:ea typeface="M+ 2p medium" panose="020B0603020203020204" pitchFamily="50" charset="-128"/>
+              <a:cs typeface="M+ 2p medium" panose="020B0603020203020204" pitchFamily="50" charset="-128"/>
+            </a:endParaRPr>
+          </a:p>
+        </p:txBody>
+      </p:sp>
+    </p:spTree>
+    <p:extLst>
+      <p:ext uri="{BB962C8B-B14F-4D97-AF65-F5344CB8AC3E}">
+        <p14:creationId xmlns:p14="http://schemas.microsoft.com/office/powerpoint/2010/main" val="1135386846"/>
+      </p:ext>
+    </p:extLst>
+  </p:cSld>
+  <p:clrMapOvr>
+    <a:masterClrMapping/>
+  </p:clrMapOvr>
+</p:sld>
+</file>
+
 <file path=ppt/slides/slide2.xml><?xml version="1.0" encoding="utf-8"?>
 <p:sld xmlns:a="http://schemas.openxmlformats.org/drawingml/2006/main" xmlns:r="http://schemas.openxmlformats.org/officeDocument/2006/relationships" xmlns:p="http://schemas.openxmlformats.org/presentationml/2006/main">
   <p:cSld>
@@ -4391,10 +4989,10 @@
       </p:grpSpPr>
       <p:sp>
         <p:nvSpPr>
-          <p:cNvPr id="6" name="六角形 5">
-            <a:extLst>
-              <a:ext uri="{FF2B5EF4-FFF2-40B4-BE49-F238E27FC236}">
-                <a16:creationId xmlns:a16="http://schemas.microsoft.com/office/drawing/2014/main" id="{A899BB3A-7A26-4E79-BD15-165A0B833FCB}"/>
+          <p:cNvPr id="5" name="六角形 4">
+            <a:extLst>
+              <a:ext uri="{FF2B5EF4-FFF2-40B4-BE49-F238E27FC236}">
+                <a16:creationId xmlns:a16="http://schemas.microsoft.com/office/drawing/2014/main" id="{975B3186-5056-9D02-C13C-F0392E77F222}"/>
               </a:ext>
             </a:extLst>
           </p:cNvPr>
@@ -4450,10 +5048,136 @@
           </a:p>
         </p:txBody>
       </p:sp>
+      <p:sp>
+        <p:nvSpPr>
+          <p:cNvPr id="10" name="六角形 9">
+            <a:extLst>
+              <a:ext uri="{FF2B5EF4-FFF2-40B4-BE49-F238E27FC236}">
+                <a16:creationId xmlns:a16="http://schemas.microsoft.com/office/drawing/2014/main" id="{0B1CD92C-37D8-0617-534C-932033D6BC94}"/>
+              </a:ext>
+            </a:extLst>
+          </p:cNvPr>
+          <p:cNvSpPr/>
+          <p:nvPr/>
+        </p:nvSpPr>
+        <p:spPr>
+          <a:xfrm>
+            <a:off x="3222717" y="1484394"/>
+            <a:ext cx="4367971" cy="3765492"/>
+          </a:xfrm>
+          <a:prstGeom prst="hexagon">
+            <a:avLst/>
+          </a:prstGeom>
+          <a:solidFill>
+            <a:srgbClr val="262626"/>
+          </a:solidFill>
+          <a:ln>
+            <a:noFill/>
+          </a:ln>
+        </p:spPr>
+        <p:style>
+          <a:lnRef idx="2">
+            <a:schemeClr val="accent1">
+              <a:shade val="50000"/>
+            </a:schemeClr>
+          </a:lnRef>
+          <a:fillRef idx="1">
+            <a:schemeClr val="accent1"/>
+          </a:fillRef>
+          <a:effectRef idx="0">
+            <a:schemeClr val="accent1"/>
+          </a:effectRef>
+          <a:fontRef idx="minor">
+            <a:schemeClr val="lt1"/>
+          </a:fontRef>
+        </p:style>
+        <p:txBody>
+          <a:bodyPr rtlCol="0" anchor="ctr"/>
+          <a:lstStyle/>
+          <a:p>
+            <a:pPr algn="ctr"/>
+            <a:endParaRPr kumimoji="1" lang="ja-JP" altLang="en-US"/>
+          </a:p>
+        </p:txBody>
+      </p:sp>
+      <p:sp>
+        <p:nvSpPr>
+          <p:cNvPr id="8" name="正方形/長方形 7">
+            <a:extLst>
+              <a:ext uri="{FF2B5EF4-FFF2-40B4-BE49-F238E27FC236}">
+                <a16:creationId xmlns:a16="http://schemas.microsoft.com/office/drawing/2014/main" id="{7332A3CE-58B4-D12F-68F2-966EBF6B15E7}"/>
+              </a:ext>
+            </a:extLst>
+          </p:cNvPr>
+          <p:cNvSpPr/>
+          <p:nvPr/>
+        </p:nvSpPr>
+        <p:spPr>
+          <a:xfrm>
+            <a:off x="3365919" y="2259145"/>
+            <a:ext cx="4161717" cy="2215991"/>
+          </a:xfrm>
+          <a:prstGeom prst="rect">
+            <a:avLst/>
+          </a:prstGeom>
+          <a:ln>
+            <a:noFill/>
+          </a:ln>
+        </p:spPr>
+        <p:txBody>
+          <a:bodyPr wrap="none">
+            <a:spAutoFit/>
+          </a:bodyPr>
+          <a:lstStyle/>
+          <a:p>
+            <a:r>
+              <a:rPr lang="en-US" altLang="ja-JP" sz="13800" dirty="0">
+                <a:ln w="44450">
+                  <a:noFill/>
+                </a:ln>
+                <a:gradFill>
+                  <a:gsLst>
+                    <a:gs pos="0">
+                      <a:srgbClr val="00B050"/>
+                    </a:gs>
+                    <a:gs pos="100000">
+                      <a:srgbClr val="00B0F0"/>
+                    </a:gs>
+                  </a:gsLst>
+                  <a:lin ang="2700000" scaled="1"/>
+                </a:gradFill>
+                <a:latin typeface="M+ 2c black" panose="020B0803020204020204" pitchFamily="50" charset="-128"/>
+                <a:ea typeface="M+ 2c black" panose="020B0803020204020204" pitchFamily="50" charset="-128"/>
+                <a:cs typeface="M+ 2c black" panose="020B0803020204020204" pitchFamily="50" charset="-128"/>
+              </a:rPr>
+              <a:t>VMT</a:t>
+            </a:r>
+            <a:endParaRPr lang="ja-JP" altLang="en-US" sz="2400" dirty="0">
+              <a:ln w="44450">
+                <a:noFill/>
+              </a:ln>
+              <a:gradFill>
+                <a:gsLst>
+                  <a:gs pos="0">
+                    <a:srgbClr val="00B050"/>
+                  </a:gs>
+                  <a:gs pos="100000">
+                    <a:srgbClr val="00B0F0"/>
+                  </a:gs>
+                </a:gsLst>
+                <a:lin ang="2700000" scaled="1"/>
+              </a:gradFill>
+              <a:latin typeface="M+ 2c black" panose="020B0803020204020204" pitchFamily="50" charset="-128"/>
+              <a:ea typeface="M+ 2c black" panose="020B0803020204020204" pitchFamily="50" charset="-128"/>
+              <a:cs typeface="M+ 2c black" panose="020B0803020204020204" pitchFamily="50" charset="-128"/>
+            </a:endParaRPr>
+          </a:p>
+        </p:txBody>
+      </p:sp>
     </p:spTree>
     <p:extLst>
       <p:ext uri="{BB962C8B-B14F-4D97-AF65-F5344CB8AC3E}">
-        <p14:creationId xmlns:p14="http://schemas.microsoft.com/office/powerpoint/2010/main" val="346515698"/>
+        <p14:creationId xmlns:p14="http://schemas.microsoft.com/office/powerpoint/2010/main" val="2448593742"/>
       </p:ext>
     </p:extLst>
   </p:cSld>
@@ -4541,75 +5265,10 @@
           </a:p>
         </p:txBody>
       </p:sp>
-      <p:sp>
-        <p:nvSpPr>
-          <p:cNvPr id="7" name="正方形/長方形 6">
-            <a:extLst>
-              <a:ext uri="{FF2B5EF4-FFF2-40B4-BE49-F238E27FC236}">
-                <a16:creationId xmlns:a16="http://schemas.microsoft.com/office/drawing/2014/main" id="{1A39BFCC-FA1B-474E-BEA6-1F5CDF37D90C}"/>
-              </a:ext>
-            </a:extLst>
-          </p:cNvPr>
-          <p:cNvSpPr/>
-          <p:nvPr/>
-        </p:nvSpPr>
-        <p:spPr>
-          <a:xfrm>
-            <a:off x="3781899" y="1543868"/>
-            <a:ext cx="3249608" cy="3770263"/>
-          </a:xfrm>
-          <a:prstGeom prst="rect">
-            <a:avLst/>
-          </a:prstGeom>
-          <a:ln>
-            <a:noFill/>
-          </a:ln>
-        </p:spPr>
-        <p:txBody>
-          <a:bodyPr wrap="none">
-            <a:spAutoFit/>
-          </a:bodyPr>
-          <a:lstStyle/>
-          <a:p>
-            <a:pPr algn="ctr"/>
-            <a:r>
-              <a:rPr lang="ja-JP" altLang="en-US" sz="23900" dirty="0">
-                <a:ln w="44450">
-                  <a:noFill/>
-                </a:ln>
-                <a:solidFill>
-                  <a:schemeClr val="tx1">
-                    <a:lumMod val="85000"/>
-                    <a:lumOff val="15000"/>
-                  </a:schemeClr>
-                </a:solidFill>
-                <a:latin typeface="M+ 2c black" panose="020B0803020204020204" pitchFamily="50" charset="-128"/>
-                <a:ea typeface="M+ 2c black" panose="020B0803020204020204" pitchFamily="50" charset="-128"/>
-                <a:cs typeface="M+ 2c black" panose="020B0803020204020204" pitchFamily="50" charset="-128"/>
-              </a:rPr>
-              <a:t>！</a:t>
-            </a:r>
-            <a:endParaRPr lang="ja-JP" altLang="en-US" sz="3600" dirty="0">
-              <a:ln w="44450">
-                <a:noFill/>
-              </a:ln>
-              <a:solidFill>
-                <a:schemeClr val="tx1">
-                  <a:lumMod val="85000"/>
-                  <a:lumOff val="15000"/>
-                </a:schemeClr>
-              </a:solidFill>
-              <a:latin typeface="M+ 2c black" panose="020B0803020204020204" pitchFamily="50" charset="-128"/>
-              <a:ea typeface="M+ 2c black" panose="020B0803020204020204" pitchFamily="50" charset="-128"/>
-              <a:cs typeface="M+ 2c black" panose="020B0803020204020204" pitchFamily="50" charset="-128"/>
-            </a:endParaRPr>
-          </a:p>
-        </p:txBody>
-      </p:sp>
     </p:spTree>
     <p:extLst>
       <p:ext uri="{BB962C8B-B14F-4D97-AF65-F5344CB8AC3E}">
-        <p14:creationId xmlns:p14="http://schemas.microsoft.com/office/powerpoint/2010/main" val="1638359834"/>
+        <p14:creationId xmlns:p14="http://schemas.microsoft.com/office/powerpoint/2010/main" val="346515698"/>
       </p:ext>
     </p:extLst>
   </p:cSld>
@@ -4711,8 +5370,8 @@
         </p:nvSpPr>
         <p:spPr>
           <a:xfrm>
-            <a:off x="4309287" y="1543868"/>
-            <a:ext cx="2194832" cy="3770263"/>
+            <a:off x="3781899" y="1543868"/>
+            <a:ext cx="3249608" cy="3770263"/>
           </a:xfrm>
           <a:prstGeom prst="rect">
             <a:avLst/>
@@ -4729,7 +5388,7 @@
           <a:p>
             <a:pPr algn="ctr"/>
             <a:r>
-              <a:rPr lang="en-US" altLang="ja-JP" sz="23900" dirty="0">
+              <a:rPr lang="ja-JP" altLang="en-US" sz="23900" dirty="0">
                 <a:ln w="44450">
                   <a:noFill/>
                 </a:ln>
@@ -4743,7 +5402,7 @@
                 <a:ea typeface="M+ 2c black" panose="020B0803020204020204" pitchFamily="50" charset="-128"/>
                 <a:cs typeface="M+ 2c black" panose="020B0803020204020204" pitchFamily="50" charset="-128"/>
               </a:rPr>
-              <a:t>?</a:t>
+              <a:t>！</a:t>
             </a:r>
             <a:endParaRPr lang="ja-JP" altLang="en-US" sz="3600" dirty="0">
               <a:ln w="44450">
@@ -4765,7 +5424,7 @@
     </p:spTree>
     <p:extLst>
       <p:ext uri="{BB962C8B-B14F-4D97-AF65-F5344CB8AC3E}">
-        <p14:creationId xmlns:p14="http://schemas.microsoft.com/office/powerpoint/2010/main" val="1570107812"/>
+        <p14:creationId xmlns:p14="http://schemas.microsoft.com/office/powerpoint/2010/main" val="1638359834"/>
       </p:ext>
     </p:extLst>
   </p:cSld>
@@ -4855,10 +5514,10 @@
       </p:sp>
       <p:sp>
         <p:nvSpPr>
-          <p:cNvPr id="7" name="正方形/長方形 6">
-            <a:extLst>
-              <a:ext uri="{FF2B5EF4-FFF2-40B4-BE49-F238E27FC236}">
-                <a16:creationId xmlns:a16="http://schemas.microsoft.com/office/drawing/2014/main" id="{1A39BFCC-FA1B-474E-BEA6-1F5CDF37D90C}"/>
+          <p:cNvPr id="4" name="六角形 3">
+            <a:extLst>
+              <a:ext uri="{FF2B5EF4-FFF2-40B4-BE49-F238E27FC236}">
+                <a16:creationId xmlns:a16="http://schemas.microsoft.com/office/drawing/2014/main" id="{A4A06018-198E-EB18-6046-30643116F69B}"/>
               </a:ext>
             </a:extLst>
           </p:cNvPr>
@@ -4867,130 +5526,17 @@
         </p:nvSpPr>
         <p:spPr>
           <a:xfrm>
-            <a:off x="3781899" y="1543868"/>
-            <a:ext cx="3249608" cy="3770263"/>
-          </a:xfrm>
-          <a:prstGeom prst="rect">
-            <a:avLst/>
-          </a:prstGeom>
-          <a:ln>
-            <a:noFill/>
-          </a:ln>
-        </p:spPr>
-        <p:txBody>
-          <a:bodyPr wrap="none">
-            <a:spAutoFit/>
-          </a:bodyPr>
-          <a:lstStyle/>
-          <a:p>
-            <a:pPr algn="ctr"/>
-            <a:r>
-              <a:rPr lang="ja-JP" altLang="en-US" sz="23900" dirty="0">
-                <a:ln w="44450">
-                  <a:noFill/>
-                </a:ln>
-                <a:solidFill>
-                  <a:schemeClr val="tx1">
-                    <a:lumMod val="85000"/>
-                    <a:lumOff val="15000"/>
-                  </a:schemeClr>
-                </a:solidFill>
-                <a:latin typeface="M+ 2c black" panose="020B0803020204020204" pitchFamily="50" charset="-128"/>
-                <a:ea typeface="M+ 2c black" panose="020B0803020204020204" pitchFamily="50" charset="-128"/>
-                <a:cs typeface="M+ 2c black" panose="020B0803020204020204" pitchFamily="50" charset="-128"/>
-              </a:rPr>
-              <a:t>Ｘ</a:t>
-            </a:r>
-            <a:endParaRPr lang="ja-JP" altLang="en-US" sz="3600" dirty="0">
-              <a:ln w="44450">
-                <a:noFill/>
-              </a:ln>
-              <a:solidFill>
-                <a:schemeClr val="tx1">
-                  <a:lumMod val="85000"/>
-                  <a:lumOff val="15000"/>
-                </a:schemeClr>
-              </a:solidFill>
-              <a:latin typeface="M+ 2c black" panose="020B0803020204020204" pitchFamily="50" charset="-128"/>
-              <a:ea typeface="M+ 2c black" panose="020B0803020204020204" pitchFamily="50" charset="-128"/>
-              <a:cs typeface="M+ 2c black" panose="020B0803020204020204" pitchFamily="50" charset="-128"/>
-            </a:endParaRPr>
-          </a:p>
-        </p:txBody>
-      </p:sp>
-    </p:spTree>
-    <p:extLst>
-      <p:ext uri="{BB962C8B-B14F-4D97-AF65-F5344CB8AC3E}">
-        <p14:creationId xmlns:p14="http://schemas.microsoft.com/office/powerpoint/2010/main" val="2487006894"/>
-      </p:ext>
-    </p:extLst>
-  </p:cSld>
-  <p:clrMapOvr>
-    <a:masterClrMapping/>
-  </p:clrMapOvr>
-</p:sld>
-</file>
-
-<file path=ppt/slides/slide8.xml><?xml version="1.0" encoding="utf-8"?>
-<p:sld xmlns:a="http://schemas.openxmlformats.org/drawingml/2006/main" xmlns:r="http://schemas.openxmlformats.org/officeDocument/2006/relationships" xmlns:p="http://schemas.openxmlformats.org/presentationml/2006/main">
-  <p:cSld>
-    <p:bg>
-      <p:bgPr>
-        <a:solidFill>
-          <a:schemeClr val="tx1"/>
-        </a:solidFill>
-        <a:effectLst/>
-      </p:bgPr>
-    </p:bg>
-    <p:spTree>
-      <p:nvGrpSpPr>
-        <p:cNvPr id="1" name=""/>
-        <p:cNvGrpSpPr/>
-        <p:nvPr/>
-      </p:nvGrpSpPr>
-      <p:grpSpPr>
-        <a:xfrm>
-          <a:off x="0" y="0"/>
-          <a:ext cx="0" cy="0"/>
-          <a:chOff x="0" y="0"/>
-          <a:chExt cx="0" cy="0"/>
-        </a:xfrm>
-      </p:grpSpPr>
-      <p:sp>
-        <p:nvSpPr>
-          <p:cNvPr id="4" name="六角形 3">
-            <a:extLst>
-              <a:ext uri="{FF2B5EF4-FFF2-40B4-BE49-F238E27FC236}">
-                <a16:creationId xmlns:a16="http://schemas.microsoft.com/office/drawing/2014/main" id="{34B775C3-0280-48B1-BEEF-E7DAD5C3063F}"/>
-              </a:ext>
-            </a:extLst>
-          </p:cNvPr>
-          <p:cNvSpPr/>
-          <p:nvPr/>
-        </p:nvSpPr>
-        <p:spPr>
-          <a:xfrm>
-            <a:off x="4057475" y="1577131"/>
-            <a:ext cx="4077049" cy="2994870"/>
+            <a:off x="3222717" y="1484394"/>
+            <a:ext cx="4367971" cy="3765492"/>
           </a:xfrm>
           <a:prstGeom prst="hexagon">
             <a:avLst/>
           </a:prstGeom>
-          <a:gradFill>
-            <a:gsLst>
-              <a:gs pos="0">
-                <a:srgbClr val="00421E"/>
-              </a:gs>
-              <a:gs pos="100000">
-                <a:srgbClr val="003E54"/>
-              </a:gs>
-            </a:gsLst>
-            <a:lin ang="5400000" scaled="1"/>
-          </a:gradFill>
-          <a:ln w="28575">
-            <a:solidFill>
-              <a:schemeClr val="bg1"/>
-            </a:solidFill>
+          <a:solidFill>
+            <a:srgbClr val="262626"/>
+          </a:solidFill>
+          <a:ln>
+            <a:noFill/>
           </a:ln>
         </p:spPr>
         <p:style>
@@ -5014,20 +5560,16 @@
           <a:lstStyle/>
           <a:p>
             <a:pPr algn="ctr"/>
-            <a:endParaRPr kumimoji="1" lang="ja-JP" altLang="en-US" sz="4400" dirty="0">
-              <a:latin typeface="M+ 2p medium" panose="020B0603020203020204" pitchFamily="50" charset="-128"/>
-              <a:ea typeface="M+ 2p medium" panose="020B0603020203020204" pitchFamily="50" charset="-128"/>
-              <a:cs typeface="M+ 2p medium" panose="020B0603020203020204" pitchFamily="50" charset="-128"/>
-            </a:endParaRPr>
-          </a:p>
-        </p:txBody>
-      </p:sp>
-      <p:sp>
-        <p:nvSpPr>
-          <p:cNvPr id="5" name="正方形/長方形 4">
-            <a:extLst>
-              <a:ext uri="{FF2B5EF4-FFF2-40B4-BE49-F238E27FC236}">
-                <a16:creationId xmlns:a16="http://schemas.microsoft.com/office/drawing/2014/main" id="{CD2294DE-05C2-4003-A10D-1AE5FE4C388B}"/>
+            <a:endParaRPr kumimoji="1" lang="ja-JP" altLang="en-US"/>
+          </a:p>
+        </p:txBody>
+      </p:sp>
+      <p:sp>
+        <p:nvSpPr>
+          <p:cNvPr id="7" name="正方形/長方形 6">
+            <a:extLst>
+              <a:ext uri="{FF2B5EF4-FFF2-40B4-BE49-F238E27FC236}">
+                <a16:creationId xmlns:a16="http://schemas.microsoft.com/office/drawing/2014/main" id="{1A39BFCC-FA1B-474E-BEA6-1F5CDF37D90C}"/>
               </a:ext>
             </a:extLst>
           </p:cNvPr>
@@ -5036,104 +5578,63 @@
         </p:nvSpPr>
         <p:spPr>
           <a:xfrm>
-            <a:off x="5075483" y="2117361"/>
-            <a:ext cx="2298440" cy="1938992"/>
+            <a:off x="3781899" y="1543868"/>
+            <a:ext cx="3249608" cy="3770263"/>
           </a:xfrm>
           <a:prstGeom prst="rect">
             <a:avLst/>
           </a:prstGeom>
+          <a:ln>
+            <a:noFill/>
+          </a:ln>
         </p:spPr>
         <p:txBody>
-          <a:bodyPr wrap="square">
+          <a:bodyPr wrap="none">
             <a:spAutoFit/>
           </a:bodyPr>
           <a:lstStyle/>
           <a:p>
-            <a:r>
-              <a:rPr lang="en-US" altLang="ja-JP" sz="4000" dirty="0">
-                <a:solidFill>
-                  <a:srgbClr val="00B0F0"/>
-                </a:solidFill>
-                <a:latin typeface="M+ 2p medium" panose="020B0603020203020204" pitchFamily="50" charset="-128"/>
-                <a:ea typeface="M+ 2p medium" panose="020B0603020203020204" pitchFamily="50" charset="-128"/>
-                <a:cs typeface="M+ 2p medium" panose="020B0603020203020204" pitchFamily="50" charset="-128"/>
+            <a:pPr algn="ctr"/>
+            <a:r>
+              <a:rPr lang="ja-JP" altLang="en-US" sz="23900" dirty="0">
+                <a:ln w="44450">
+                  <a:noFill/>
+                </a:ln>
+                <a:gradFill>
+                  <a:gsLst>
+                    <a:gs pos="0">
+                      <a:srgbClr val="00B050"/>
+                    </a:gs>
+                    <a:gs pos="100000">
+                      <a:srgbClr val="00B0F0"/>
+                    </a:gs>
+                  </a:gsLst>
+                  <a:lin ang="2700000" scaled="1"/>
+                </a:gradFill>
+                <a:latin typeface="M+ 2c black" panose="020B0803020204020204" pitchFamily="50" charset="-128"/>
+                <a:ea typeface="M+ 2c black" panose="020B0803020204020204" pitchFamily="50" charset="-128"/>
+                <a:cs typeface="M+ 2c black" panose="020B0803020204020204" pitchFamily="50" charset="-128"/>
               </a:rPr>
-              <a:t>V</a:t>
-            </a:r>
-            <a:r>
-              <a:rPr lang="en-US" altLang="ja-JP" sz="4000" dirty="0">
-                <a:solidFill>
-                  <a:schemeClr val="bg1">
-                    <a:lumMod val="65000"/>
-                  </a:schemeClr>
-                </a:solidFill>
-                <a:latin typeface="M+ 2p medium" panose="020B0603020203020204" pitchFamily="50" charset="-128"/>
-                <a:ea typeface="M+ 2p medium" panose="020B0603020203020204" pitchFamily="50" charset="-128"/>
-                <a:cs typeface="M+ 2p medium" panose="020B0603020203020204" pitchFamily="50" charset="-128"/>
-              </a:rPr>
-              <a:t>irtual </a:t>
-            </a:r>
-          </a:p>
-          <a:p>
-            <a:r>
-              <a:rPr lang="en-US" altLang="ja-JP" sz="4000" dirty="0">
-                <a:solidFill>
-                  <a:srgbClr val="FF21D5"/>
-                </a:solidFill>
-                <a:latin typeface="M+ 2p medium" panose="020B0603020203020204" pitchFamily="50" charset="-128"/>
-                <a:ea typeface="M+ 2p medium" panose="020B0603020203020204" pitchFamily="50" charset="-128"/>
-                <a:cs typeface="M+ 2p medium" panose="020B0603020203020204" pitchFamily="50" charset="-128"/>
-              </a:rPr>
-              <a:t>M</a:t>
-            </a:r>
-            <a:r>
-              <a:rPr lang="en-US" altLang="ja-JP" sz="4000" dirty="0">
-                <a:solidFill>
-                  <a:schemeClr val="bg1">
-                    <a:lumMod val="65000"/>
-                  </a:schemeClr>
-                </a:solidFill>
-                <a:latin typeface="M+ 2p medium" panose="020B0603020203020204" pitchFamily="50" charset="-128"/>
-                <a:ea typeface="M+ 2p medium" panose="020B0603020203020204" pitchFamily="50" charset="-128"/>
-                <a:cs typeface="M+ 2p medium" panose="020B0603020203020204" pitchFamily="50" charset="-128"/>
-              </a:rPr>
-              <a:t>otion</a:t>
-            </a:r>
-          </a:p>
-          <a:p>
-            <a:r>
-              <a:rPr lang="en-US" altLang="ja-JP" sz="4000" dirty="0">
-                <a:solidFill>
-                  <a:srgbClr val="FFFF00"/>
-                </a:solidFill>
-                <a:latin typeface="M+ 2p medium" panose="020B0603020203020204" pitchFamily="50" charset="-128"/>
-                <a:ea typeface="M+ 2p medium" panose="020B0603020203020204" pitchFamily="50" charset="-128"/>
-                <a:cs typeface="M+ 2p medium" panose="020B0603020203020204" pitchFamily="50" charset="-128"/>
-              </a:rPr>
-              <a:t>T</a:t>
-            </a:r>
-            <a:r>
-              <a:rPr lang="en-US" altLang="ja-JP" sz="4000" dirty="0">
-                <a:solidFill>
-                  <a:schemeClr val="bg1">
-                    <a:lumMod val="65000"/>
-                  </a:schemeClr>
-                </a:solidFill>
-                <a:latin typeface="M+ 2p medium" panose="020B0603020203020204" pitchFamily="50" charset="-128"/>
-                <a:ea typeface="M+ 2p medium" panose="020B0603020203020204" pitchFamily="50" charset="-128"/>
-                <a:cs typeface="M+ 2p medium" panose="020B0603020203020204" pitchFamily="50" charset="-128"/>
-              </a:rPr>
-              <a:t>racker</a:t>
-            </a:r>
-            <a:endParaRPr lang="ja-JP" altLang="en-US" sz="4000" dirty="0">
-              <a:solidFill>
-                <a:schemeClr val="bg1">
-                  <a:lumMod val="65000"/>
-                </a:schemeClr>
-              </a:solidFill>
-              <a:latin typeface="M+ 2p medium" panose="020B0603020203020204" pitchFamily="50" charset="-128"/>
-              <a:ea typeface="M+ 2p medium" panose="020B0603020203020204" pitchFamily="50" charset="-128"/>
-              <a:cs typeface="M+ 2p medium" panose="020B0603020203020204" pitchFamily="50" charset="-128"/>
+              <a:t>！</a:t>
+            </a:r>
+            <a:endParaRPr lang="ja-JP" altLang="en-US" sz="3600" dirty="0">
+              <a:ln w="44450">
+                <a:noFill/>
+              </a:ln>
+              <a:gradFill>
+                <a:gsLst>
+                  <a:gs pos="0">
+                    <a:srgbClr val="00B050"/>
+                  </a:gs>
+                  <a:gs pos="100000">
+                    <a:srgbClr val="00B0F0"/>
+                  </a:gs>
+                </a:gsLst>
+                <a:lin ang="2700000" scaled="1"/>
+              </a:gradFill>
+              <a:latin typeface="M+ 2c black" panose="020B0803020204020204" pitchFamily="50" charset="-128"/>
+              <a:ea typeface="M+ 2c black" panose="020B0803020204020204" pitchFamily="50" charset="-128"/>
+              <a:cs typeface="M+ 2c black" panose="020B0803020204020204" pitchFamily="50" charset="-128"/>
             </a:endParaRPr>
           </a:p>
         </p:txBody>
@@ -5141,7 +5642,381 @@
     </p:spTree>
     <p:extLst>
       <p:ext uri="{BB962C8B-B14F-4D97-AF65-F5344CB8AC3E}">
-        <p14:creationId xmlns:p14="http://schemas.microsoft.com/office/powerpoint/2010/main" val="1135386846"/>
+        <p14:creationId xmlns:p14="http://schemas.microsoft.com/office/powerpoint/2010/main" val="3359644620"/>
+      </p:ext>
+    </p:extLst>
+  </p:cSld>
+  <p:clrMapOvr>
+    <a:masterClrMapping/>
+  </p:clrMapOvr>
+</p:sld>
+</file>
+
+<file path=ppt/slides/slide8.xml><?xml version="1.0" encoding="utf-8"?>
+<p:sld xmlns:a="http://schemas.openxmlformats.org/drawingml/2006/main" xmlns:r="http://schemas.openxmlformats.org/officeDocument/2006/relationships" xmlns:p="http://schemas.openxmlformats.org/presentationml/2006/main">
+  <p:cSld>
+    <p:spTree>
+      <p:nvGrpSpPr>
+        <p:cNvPr id="1" name=""/>
+        <p:cNvGrpSpPr/>
+        <p:nvPr/>
+      </p:nvGrpSpPr>
+      <p:grpSpPr>
+        <a:xfrm>
+          <a:off x="0" y="0"/>
+          <a:ext cx="0" cy="0"/>
+          <a:chOff x="0" y="0"/>
+          <a:chExt cx="0" cy="0"/>
+        </a:xfrm>
+      </p:grpSpPr>
+      <p:sp>
+        <p:nvSpPr>
+          <p:cNvPr id="6" name="六角形 5">
+            <a:extLst>
+              <a:ext uri="{FF2B5EF4-FFF2-40B4-BE49-F238E27FC236}">
+                <a16:creationId xmlns:a16="http://schemas.microsoft.com/office/drawing/2014/main" id="{A899BB3A-7A26-4E79-BD15-165A0B833FCB}"/>
+              </a:ext>
+            </a:extLst>
+          </p:cNvPr>
+          <p:cNvSpPr/>
+          <p:nvPr/>
+        </p:nvSpPr>
+        <p:spPr>
+          <a:xfrm>
+            <a:off x="3045203" y="1331365"/>
+            <a:ext cx="4723001" cy="4071553"/>
+          </a:xfrm>
+          <a:prstGeom prst="hexagon">
+            <a:avLst/>
+          </a:prstGeom>
+          <a:gradFill flip="none" rotWithShape="1">
+            <a:gsLst>
+              <a:gs pos="0">
+                <a:srgbClr val="00B050"/>
+              </a:gs>
+              <a:gs pos="100000">
+                <a:srgbClr val="00B0F0"/>
+              </a:gs>
+            </a:gsLst>
+            <a:lin ang="2700000" scaled="1"/>
+            <a:tileRect/>
+          </a:gradFill>
+          <a:ln>
+            <a:noFill/>
+          </a:ln>
+        </p:spPr>
+        <p:style>
+          <a:lnRef idx="2">
+            <a:schemeClr val="accent1">
+              <a:shade val="50000"/>
+            </a:schemeClr>
+          </a:lnRef>
+          <a:fillRef idx="1">
+            <a:schemeClr val="accent1"/>
+          </a:fillRef>
+          <a:effectRef idx="0">
+            <a:schemeClr val="accent1"/>
+          </a:effectRef>
+          <a:fontRef idx="minor">
+            <a:schemeClr val="lt1"/>
+          </a:fontRef>
+        </p:style>
+        <p:txBody>
+          <a:bodyPr rtlCol="0" anchor="ctr"/>
+          <a:lstStyle/>
+          <a:p>
+            <a:pPr algn="ctr"/>
+            <a:endParaRPr kumimoji="1" lang="ja-JP" altLang="en-US"/>
+          </a:p>
+        </p:txBody>
+      </p:sp>
+      <p:sp>
+        <p:nvSpPr>
+          <p:cNvPr id="7" name="正方形/長方形 6">
+            <a:extLst>
+              <a:ext uri="{FF2B5EF4-FFF2-40B4-BE49-F238E27FC236}">
+                <a16:creationId xmlns:a16="http://schemas.microsoft.com/office/drawing/2014/main" id="{1A39BFCC-FA1B-474E-BEA6-1F5CDF37D90C}"/>
+              </a:ext>
+            </a:extLst>
+          </p:cNvPr>
+          <p:cNvSpPr/>
+          <p:nvPr/>
+        </p:nvSpPr>
+        <p:spPr>
+          <a:xfrm>
+            <a:off x="4309287" y="1543868"/>
+            <a:ext cx="2194832" cy="3770263"/>
+          </a:xfrm>
+          <a:prstGeom prst="rect">
+            <a:avLst/>
+          </a:prstGeom>
+          <a:ln>
+            <a:noFill/>
+          </a:ln>
+        </p:spPr>
+        <p:txBody>
+          <a:bodyPr wrap="none">
+            <a:spAutoFit/>
+          </a:bodyPr>
+          <a:lstStyle/>
+          <a:p>
+            <a:pPr algn="ctr"/>
+            <a:r>
+              <a:rPr lang="en-US" altLang="ja-JP" sz="23900" dirty="0">
+                <a:ln w="44450">
+                  <a:noFill/>
+                </a:ln>
+                <a:solidFill>
+                  <a:schemeClr val="tx1">
+                    <a:lumMod val="85000"/>
+                    <a:lumOff val="15000"/>
+                  </a:schemeClr>
+                </a:solidFill>
+                <a:latin typeface="M+ 2c black" panose="020B0803020204020204" pitchFamily="50" charset="-128"/>
+                <a:ea typeface="M+ 2c black" panose="020B0803020204020204" pitchFamily="50" charset="-128"/>
+                <a:cs typeface="M+ 2c black" panose="020B0803020204020204" pitchFamily="50" charset="-128"/>
+              </a:rPr>
+              <a:t>?</a:t>
+            </a:r>
+            <a:endParaRPr lang="ja-JP" altLang="en-US" sz="3600" dirty="0">
+              <a:ln w="44450">
+                <a:noFill/>
+              </a:ln>
+              <a:solidFill>
+                <a:schemeClr val="tx1">
+                  <a:lumMod val="85000"/>
+                  <a:lumOff val="15000"/>
+                </a:schemeClr>
+              </a:solidFill>
+              <a:latin typeface="M+ 2c black" panose="020B0803020204020204" pitchFamily="50" charset="-128"/>
+              <a:ea typeface="M+ 2c black" panose="020B0803020204020204" pitchFamily="50" charset="-128"/>
+              <a:cs typeface="M+ 2c black" panose="020B0803020204020204" pitchFamily="50" charset="-128"/>
+            </a:endParaRPr>
+          </a:p>
+        </p:txBody>
+      </p:sp>
+    </p:spTree>
+    <p:extLst>
+      <p:ext uri="{BB962C8B-B14F-4D97-AF65-F5344CB8AC3E}">
+        <p14:creationId xmlns:p14="http://schemas.microsoft.com/office/powerpoint/2010/main" val="1570107812"/>
+      </p:ext>
+    </p:extLst>
+  </p:cSld>
+  <p:clrMapOvr>
+    <a:masterClrMapping/>
+  </p:clrMapOvr>
+</p:sld>
+</file>
+
+<file path=ppt/slides/slide9.xml><?xml version="1.0" encoding="utf-8"?>
+<p:sld xmlns:a="http://schemas.openxmlformats.org/drawingml/2006/main" xmlns:r="http://schemas.openxmlformats.org/officeDocument/2006/relationships" xmlns:p="http://schemas.openxmlformats.org/presentationml/2006/main">
+  <p:cSld>
+    <p:spTree>
+      <p:nvGrpSpPr>
+        <p:cNvPr id="1" name=""/>
+        <p:cNvGrpSpPr/>
+        <p:nvPr/>
+      </p:nvGrpSpPr>
+      <p:grpSpPr>
+        <a:xfrm>
+          <a:off x="0" y="0"/>
+          <a:ext cx="0" cy="0"/>
+          <a:chOff x="0" y="0"/>
+          <a:chExt cx="0" cy="0"/>
+        </a:xfrm>
+      </p:grpSpPr>
+      <p:sp>
+        <p:nvSpPr>
+          <p:cNvPr id="6" name="六角形 5">
+            <a:extLst>
+              <a:ext uri="{FF2B5EF4-FFF2-40B4-BE49-F238E27FC236}">
+                <a16:creationId xmlns:a16="http://schemas.microsoft.com/office/drawing/2014/main" id="{A899BB3A-7A26-4E79-BD15-165A0B833FCB}"/>
+              </a:ext>
+            </a:extLst>
+          </p:cNvPr>
+          <p:cNvSpPr/>
+          <p:nvPr/>
+        </p:nvSpPr>
+        <p:spPr>
+          <a:xfrm>
+            <a:off x="3045203" y="1331365"/>
+            <a:ext cx="4723001" cy="4071553"/>
+          </a:xfrm>
+          <a:prstGeom prst="hexagon">
+            <a:avLst/>
+          </a:prstGeom>
+          <a:gradFill flip="none" rotWithShape="1">
+            <a:gsLst>
+              <a:gs pos="0">
+                <a:srgbClr val="00B050"/>
+              </a:gs>
+              <a:gs pos="100000">
+                <a:srgbClr val="00B0F0"/>
+              </a:gs>
+            </a:gsLst>
+            <a:lin ang="2700000" scaled="1"/>
+            <a:tileRect/>
+          </a:gradFill>
+          <a:ln>
+            <a:noFill/>
+          </a:ln>
+        </p:spPr>
+        <p:style>
+          <a:lnRef idx="2">
+            <a:schemeClr val="accent1">
+              <a:shade val="50000"/>
+            </a:schemeClr>
+          </a:lnRef>
+          <a:fillRef idx="1">
+            <a:schemeClr val="accent1"/>
+          </a:fillRef>
+          <a:effectRef idx="0">
+            <a:schemeClr val="accent1"/>
+          </a:effectRef>
+          <a:fontRef idx="minor">
+            <a:schemeClr val="lt1"/>
+          </a:fontRef>
+        </p:style>
+        <p:txBody>
+          <a:bodyPr rtlCol="0" anchor="ctr"/>
+          <a:lstStyle/>
+          <a:p>
+            <a:pPr algn="ctr"/>
+            <a:endParaRPr kumimoji="1" lang="ja-JP" altLang="en-US"/>
+          </a:p>
+        </p:txBody>
+      </p:sp>
+      <p:sp>
+        <p:nvSpPr>
+          <p:cNvPr id="3" name="六角形 2">
+            <a:extLst>
+              <a:ext uri="{FF2B5EF4-FFF2-40B4-BE49-F238E27FC236}">
+                <a16:creationId xmlns:a16="http://schemas.microsoft.com/office/drawing/2014/main" id="{D97A16E2-375A-FFA1-E628-2E37E5B5386D}"/>
+              </a:ext>
+            </a:extLst>
+          </p:cNvPr>
+          <p:cNvSpPr/>
+          <p:nvPr/>
+        </p:nvSpPr>
+        <p:spPr>
+          <a:xfrm>
+            <a:off x="3222717" y="1484394"/>
+            <a:ext cx="4367971" cy="3765492"/>
+          </a:xfrm>
+          <a:prstGeom prst="hexagon">
+            <a:avLst/>
+          </a:prstGeom>
+          <a:solidFill>
+            <a:srgbClr val="262626"/>
+          </a:solidFill>
+          <a:ln>
+            <a:noFill/>
+          </a:ln>
+        </p:spPr>
+        <p:style>
+          <a:lnRef idx="2">
+            <a:schemeClr val="accent1">
+              <a:shade val="50000"/>
+            </a:schemeClr>
+          </a:lnRef>
+          <a:fillRef idx="1">
+            <a:schemeClr val="accent1"/>
+          </a:fillRef>
+          <a:effectRef idx="0">
+            <a:schemeClr val="accent1"/>
+          </a:effectRef>
+          <a:fontRef idx="minor">
+            <a:schemeClr val="lt1"/>
+          </a:fontRef>
+        </p:style>
+        <p:txBody>
+          <a:bodyPr rtlCol="0" anchor="ctr"/>
+          <a:lstStyle/>
+          <a:p>
+            <a:pPr algn="ctr"/>
+            <a:endParaRPr kumimoji="1" lang="ja-JP" altLang="en-US"/>
+          </a:p>
+        </p:txBody>
+      </p:sp>
+      <p:sp>
+        <p:nvSpPr>
+          <p:cNvPr id="7" name="正方形/長方形 6">
+            <a:extLst>
+              <a:ext uri="{FF2B5EF4-FFF2-40B4-BE49-F238E27FC236}">
+                <a16:creationId xmlns:a16="http://schemas.microsoft.com/office/drawing/2014/main" id="{1A39BFCC-FA1B-474E-BEA6-1F5CDF37D90C}"/>
+              </a:ext>
+            </a:extLst>
+          </p:cNvPr>
+          <p:cNvSpPr/>
+          <p:nvPr/>
+        </p:nvSpPr>
+        <p:spPr>
+          <a:xfrm>
+            <a:off x="4309287" y="1543868"/>
+            <a:ext cx="2194832" cy="3770263"/>
+          </a:xfrm>
+          <a:prstGeom prst="rect">
+            <a:avLst/>
+          </a:prstGeom>
+          <a:ln>
+            <a:noFill/>
+          </a:ln>
+        </p:spPr>
+        <p:txBody>
+          <a:bodyPr wrap="none">
+            <a:spAutoFit/>
+          </a:bodyPr>
+          <a:lstStyle/>
+          <a:p>
+            <a:pPr algn="ctr"/>
+            <a:r>
+              <a:rPr lang="en-US" altLang="ja-JP" sz="23900" dirty="0">
+                <a:ln w="44450">
+                  <a:noFill/>
+                </a:ln>
+                <a:gradFill>
+                  <a:gsLst>
+                    <a:gs pos="0">
+                      <a:srgbClr val="00B050"/>
+                    </a:gs>
+                    <a:gs pos="100000">
+                      <a:srgbClr val="00B0F0"/>
+                    </a:gs>
+                  </a:gsLst>
+                  <a:lin ang="2700000" scaled="1"/>
+                </a:gradFill>
+                <a:latin typeface="M+ 2c black" panose="020B0803020204020204" pitchFamily="50" charset="-128"/>
+                <a:ea typeface="M+ 2c black" panose="020B0803020204020204" pitchFamily="50" charset="-128"/>
+                <a:cs typeface="M+ 2c black" panose="020B0803020204020204" pitchFamily="50" charset="-128"/>
+              </a:rPr>
+              <a:t>?</a:t>
+            </a:r>
+            <a:endParaRPr lang="ja-JP" altLang="en-US" sz="3600" dirty="0">
+              <a:ln w="44450">
+                <a:noFill/>
+              </a:ln>
+              <a:gradFill>
+                <a:gsLst>
+                  <a:gs pos="0">
+                    <a:srgbClr val="00B050"/>
+                  </a:gs>
+                  <a:gs pos="100000">
+                    <a:srgbClr val="00B0F0"/>
+                  </a:gs>
+                </a:gsLst>
+                <a:lin ang="2700000" scaled="1"/>
+              </a:gradFill>
+              <a:latin typeface="M+ 2c black" panose="020B0803020204020204" pitchFamily="50" charset="-128"/>
+              <a:ea typeface="M+ 2c black" panose="020B0803020204020204" pitchFamily="50" charset="-128"/>
+              <a:cs typeface="M+ 2c black" panose="020B0803020204020204" pitchFamily="50" charset="-128"/>
+            </a:endParaRPr>
+          </a:p>
+        </p:txBody>
+      </p:sp>
+    </p:spTree>
+    <p:extLst>
+      <p:ext uri="{BB962C8B-B14F-4D97-AF65-F5344CB8AC3E}">
+        <p14:creationId xmlns:p14="http://schemas.microsoft.com/office/powerpoint/2010/main" val="2546209672"/>
       </p:ext>
     </p:extLst>
   </p:cSld>

--- a/docs/logo.pptx
+++ b/docs/logo.pptx
@@ -7,16 +7,17 @@
   <p:sldIdLst>
     <p:sldId id="256" r:id="rId2"/>
     <p:sldId id="263" r:id="rId3"/>
-    <p:sldId id="257" r:id="rId4"/>
-    <p:sldId id="264" r:id="rId5"/>
-    <p:sldId id="261" r:id="rId6"/>
-    <p:sldId id="259" r:id="rId7"/>
-    <p:sldId id="266" r:id="rId8"/>
-    <p:sldId id="262" r:id="rId9"/>
-    <p:sldId id="265" r:id="rId10"/>
-    <p:sldId id="260" r:id="rId11"/>
-    <p:sldId id="267" r:id="rId12"/>
-    <p:sldId id="258" r:id="rId13"/>
+    <p:sldId id="268" r:id="rId4"/>
+    <p:sldId id="257" r:id="rId5"/>
+    <p:sldId id="264" r:id="rId6"/>
+    <p:sldId id="261" r:id="rId7"/>
+    <p:sldId id="259" r:id="rId8"/>
+    <p:sldId id="266" r:id="rId9"/>
+    <p:sldId id="262" r:id="rId10"/>
+    <p:sldId id="265" r:id="rId11"/>
+    <p:sldId id="260" r:id="rId12"/>
+    <p:sldId id="267" r:id="rId13"/>
+    <p:sldId id="258" r:id="rId14"/>
   </p:sldIdLst>
   <p:sldSz cx="12192000" cy="6858000"/>
   <p:notesSz cx="6858000" cy="9144000"/>
@@ -270,7 +271,7 @@
           <a:p>
             <a:fld id="{6C33C58C-061C-44F1-A237-2E36B5F906E4}" type="datetimeFigureOut">
               <a:rPr kumimoji="1" lang="ja-JP" altLang="en-US" smtClean="0"/>
-              <a:t>2023/1/15</a:t>
+              <a:t>2023/1/16</a:t>
             </a:fld>
             <a:endParaRPr kumimoji="1" lang="ja-JP" altLang="en-US"/>
           </a:p>
@@ -500,7 +501,7 @@
           <a:p>
             <a:fld id="{6C33C58C-061C-44F1-A237-2E36B5F906E4}" type="datetimeFigureOut">
               <a:rPr kumimoji="1" lang="ja-JP" altLang="en-US" smtClean="0"/>
-              <a:t>2023/1/15</a:t>
+              <a:t>2023/1/16</a:t>
             </a:fld>
             <a:endParaRPr kumimoji="1" lang="ja-JP" altLang="en-US"/>
           </a:p>
@@ -740,7 +741,7 @@
           <a:p>
             <a:fld id="{6C33C58C-061C-44F1-A237-2E36B5F906E4}" type="datetimeFigureOut">
               <a:rPr kumimoji="1" lang="ja-JP" altLang="en-US" smtClean="0"/>
-              <a:t>2023/1/15</a:t>
+              <a:t>2023/1/16</a:t>
             </a:fld>
             <a:endParaRPr kumimoji="1" lang="ja-JP" altLang="en-US"/>
           </a:p>
@@ -970,7 +971,7 @@
           <a:p>
             <a:fld id="{6C33C58C-061C-44F1-A237-2E36B5F906E4}" type="datetimeFigureOut">
               <a:rPr kumimoji="1" lang="ja-JP" altLang="en-US" smtClean="0"/>
-              <a:t>2023/1/15</a:t>
+              <a:t>2023/1/16</a:t>
             </a:fld>
             <a:endParaRPr kumimoji="1" lang="ja-JP" altLang="en-US"/>
           </a:p>
@@ -1245,7 +1246,7 @@
           <a:p>
             <a:fld id="{6C33C58C-061C-44F1-A237-2E36B5F906E4}" type="datetimeFigureOut">
               <a:rPr kumimoji="1" lang="ja-JP" altLang="en-US" smtClean="0"/>
-              <a:t>2023/1/15</a:t>
+              <a:t>2023/1/16</a:t>
             </a:fld>
             <a:endParaRPr kumimoji="1" lang="ja-JP" altLang="en-US"/>
           </a:p>
@@ -1574,7 +1575,7 @@
           <a:p>
             <a:fld id="{6C33C58C-061C-44F1-A237-2E36B5F906E4}" type="datetimeFigureOut">
               <a:rPr kumimoji="1" lang="ja-JP" altLang="en-US" smtClean="0"/>
-              <a:t>2023/1/15</a:t>
+              <a:t>2023/1/16</a:t>
             </a:fld>
             <a:endParaRPr kumimoji="1" lang="ja-JP" altLang="en-US"/>
           </a:p>
@@ -2050,7 +2051,7 @@
           <a:p>
             <a:fld id="{6C33C58C-061C-44F1-A237-2E36B5F906E4}" type="datetimeFigureOut">
               <a:rPr kumimoji="1" lang="ja-JP" altLang="en-US" smtClean="0"/>
-              <a:t>2023/1/15</a:t>
+              <a:t>2023/1/16</a:t>
             </a:fld>
             <a:endParaRPr kumimoji="1" lang="ja-JP" altLang="en-US"/>
           </a:p>
@@ -2191,7 +2192,7 @@
           <a:p>
             <a:fld id="{6C33C58C-061C-44F1-A237-2E36B5F906E4}" type="datetimeFigureOut">
               <a:rPr kumimoji="1" lang="ja-JP" altLang="en-US" smtClean="0"/>
-              <a:t>2023/1/15</a:t>
+              <a:t>2023/1/16</a:t>
             </a:fld>
             <a:endParaRPr kumimoji="1" lang="ja-JP" altLang="en-US"/>
           </a:p>
@@ -2304,7 +2305,7 @@
           <a:p>
             <a:fld id="{6C33C58C-061C-44F1-A237-2E36B5F906E4}" type="datetimeFigureOut">
               <a:rPr kumimoji="1" lang="ja-JP" altLang="en-US" smtClean="0"/>
-              <a:t>2023/1/15</a:t>
+              <a:t>2023/1/16</a:t>
             </a:fld>
             <a:endParaRPr kumimoji="1" lang="ja-JP" altLang="en-US"/>
           </a:p>
@@ -2647,7 +2648,7 @@
           <a:p>
             <a:fld id="{6C33C58C-061C-44F1-A237-2E36B5F906E4}" type="datetimeFigureOut">
               <a:rPr kumimoji="1" lang="ja-JP" altLang="en-US" smtClean="0"/>
-              <a:t>2023/1/15</a:t>
+              <a:t>2023/1/16</a:t>
             </a:fld>
             <a:endParaRPr kumimoji="1" lang="ja-JP" altLang="en-US"/>
           </a:p>
@@ -2935,7 +2936,7 @@
           <a:p>
             <a:fld id="{6C33C58C-061C-44F1-A237-2E36B5F906E4}" type="datetimeFigureOut">
               <a:rPr kumimoji="1" lang="ja-JP" altLang="en-US" smtClean="0"/>
-              <a:t>2023/1/15</a:t>
+              <a:t>2023/1/16</a:t>
             </a:fld>
             <a:endParaRPr kumimoji="1" lang="ja-JP" altLang="en-US"/>
           </a:p>
@@ -3208,7 +3209,7 @@
           <a:p>
             <a:fld id="{6C33C58C-061C-44F1-A237-2E36B5F906E4}" type="datetimeFigureOut">
               <a:rPr kumimoji="1" lang="ja-JP" altLang="en-US" smtClean="0"/>
-              <a:t>2023/1/15</a:t>
+              <a:t>2023/1/16</a:t>
             </a:fld>
             <a:endParaRPr kumimoji="1" lang="ja-JP" altLang="en-US"/>
           </a:p>
@@ -4016,10 +4017,10 @@
       </p:sp>
       <p:sp>
         <p:nvSpPr>
-          <p:cNvPr id="7" name="正方形/長方形 6">
-            <a:extLst>
-              <a:ext uri="{FF2B5EF4-FFF2-40B4-BE49-F238E27FC236}">
-                <a16:creationId xmlns:a16="http://schemas.microsoft.com/office/drawing/2014/main" id="{1A39BFCC-FA1B-474E-BEA6-1F5CDF37D90C}"/>
+          <p:cNvPr id="3" name="六角形 2">
+            <a:extLst>
+              <a:ext uri="{FF2B5EF4-FFF2-40B4-BE49-F238E27FC236}">
+                <a16:creationId xmlns:a16="http://schemas.microsoft.com/office/drawing/2014/main" id="{D97A16E2-375A-FFA1-E628-2E37E5B5386D}"/>
               </a:ext>
             </a:extLst>
           </p:cNvPr>
@@ -4028,8 +4029,60 @@
         </p:nvSpPr>
         <p:spPr>
           <a:xfrm>
-            <a:off x="3781899" y="1543868"/>
-            <a:ext cx="3249608" cy="3770263"/>
+            <a:off x="3222717" y="1484394"/>
+            <a:ext cx="4367971" cy="3765492"/>
+          </a:xfrm>
+          <a:prstGeom prst="hexagon">
+            <a:avLst/>
+          </a:prstGeom>
+          <a:solidFill>
+            <a:srgbClr val="262626"/>
+          </a:solidFill>
+          <a:ln>
+            <a:noFill/>
+          </a:ln>
+        </p:spPr>
+        <p:style>
+          <a:lnRef idx="2">
+            <a:schemeClr val="accent1">
+              <a:shade val="50000"/>
+            </a:schemeClr>
+          </a:lnRef>
+          <a:fillRef idx="1">
+            <a:schemeClr val="accent1"/>
+          </a:fillRef>
+          <a:effectRef idx="0">
+            <a:schemeClr val="accent1"/>
+          </a:effectRef>
+          <a:fontRef idx="minor">
+            <a:schemeClr val="lt1"/>
+          </a:fontRef>
+        </p:style>
+        <p:txBody>
+          <a:bodyPr rtlCol="0" anchor="ctr"/>
+          <a:lstStyle/>
+          <a:p>
+            <a:pPr algn="ctr"/>
+            <a:endParaRPr kumimoji="1" lang="ja-JP" altLang="en-US"/>
+          </a:p>
+        </p:txBody>
+      </p:sp>
+      <p:sp>
+        <p:nvSpPr>
+          <p:cNvPr id="7" name="正方形/長方形 6">
+            <a:extLst>
+              <a:ext uri="{FF2B5EF4-FFF2-40B4-BE49-F238E27FC236}">
+                <a16:creationId xmlns:a16="http://schemas.microsoft.com/office/drawing/2014/main" id="{1A39BFCC-FA1B-474E-BEA6-1F5CDF37D90C}"/>
+              </a:ext>
+            </a:extLst>
+          </p:cNvPr>
+          <p:cNvSpPr/>
+          <p:nvPr/>
+        </p:nvSpPr>
+        <p:spPr>
+          <a:xfrm>
+            <a:off x="4309287" y="1543868"/>
+            <a:ext cx="2194832" cy="3770263"/>
           </a:xfrm>
           <a:prstGeom prst="rect">
             <a:avLst/>
@@ -4046,32 +4099,42 @@
           <a:p>
             <a:pPr algn="ctr"/>
             <a:r>
-              <a:rPr lang="ja-JP" altLang="en-US" sz="23900" dirty="0">
+              <a:rPr lang="en-US" altLang="ja-JP" sz="23900" dirty="0">
                 <a:ln w="44450">
                   <a:noFill/>
                 </a:ln>
-                <a:solidFill>
-                  <a:schemeClr val="tx1">
-                    <a:lumMod val="85000"/>
-                    <a:lumOff val="15000"/>
-                  </a:schemeClr>
-                </a:solidFill>
+                <a:gradFill>
+                  <a:gsLst>
+                    <a:gs pos="0">
+                      <a:srgbClr val="00B050"/>
+                    </a:gs>
+                    <a:gs pos="100000">
+                      <a:srgbClr val="00B0F0"/>
+                    </a:gs>
+                  </a:gsLst>
+                  <a:lin ang="2700000" scaled="1"/>
+                </a:gradFill>
                 <a:latin typeface="M+ 2c black" panose="020B0803020204020204" pitchFamily="50" charset="-128"/>
                 <a:ea typeface="M+ 2c black" panose="020B0803020204020204" pitchFamily="50" charset="-128"/>
                 <a:cs typeface="M+ 2c black" panose="020B0803020204020204" pitchFamily="50" charset="-128"/>
               </a:rPr>
-              <a:t>Ｘ</a:t>
+              <a:t>?</a:t>
             </a:r>
             <a:endParaRPr lang="ja-JP" altLang="en-US" sz="3600" dirty="0">
               <a:ln w="44450">
                 <a:noFill/>
               </a:ln>
-              <a:solidFill>
-                <a:schemeClr val="tx1">
-                  <a:lumMod val="85000"/>
-                  <a:lumOff val="15000"/>
-                </a:schemeClr>
-              </a:solidFill>
+              <a:gradFill>
+                <a:gsLst>
+                  <a:gs pos="0">
+                    <a:srgbClr val="00B050"/>
+                  </a:gs>
+                  <a:gs pos="100000">
+                    <a:srgbClr val="00B0F0"/>
+                  </a:gs>
+                </a:gsLst>
+                <a:lin ang="2700000" scaled="1"/>
+              </a:gradFill>
               <a:latin typeface="M+ 2c black" panose="020B0803020204020204" pitchFamily="50" charset="-128"/>
               <a:ea typeface="M+ 2c black" panose="020B0803020204020204" pitchFamily="50" charset="-128"/>
               <a:cs typeface="M+ 2c black" panose="020B0803020204020204" pitchFamily="50" charset="-128"/>
@@ -4082,7 +4145,7 @@
     </p:spTree>
     <p:extLst>
       <p:ext uri="{BB962C8B-B14F-4D97-AF65-F5344CB8AC3E}">
-        <p14:creationId xmlns:p14="http://schemas.microsoft.com/office/powerpoint/2010/main" val="2487006894"/>
+        <p14:creationId xmlns:p14="http://schemas.microsoft.com/office/powerpoint/2010/main" val="2546209672"/>
       </p:ext>
     </p:extLst>
   </p:cSld>
@@ -4172,6 +4235,162 @@
       </p:sp>
       <p:sp>
         <p:nvSpPr>
+          <p:cNvPr id="7" name="正方形/長方形 6">
+            <a:extLst>
+              <a:ext uri="{FF2B5EF4-FFF2-40B4-BE49-F238E27FC236}">
+                <a16:creationId xmlns:a16="http://schemas.microsoft.com/office/drawing/2014/main" id="{1A39BFCC-FA1B-474E-BEA6-1F5CDF37D90C}"/>
+              </a:ext>
+            </a:extLst>
+          </p:cNvPr>
+          <p:cNvSpPr/>
+          <p:nvPr/>
+        </p:nvSpPr>
+        <p:spPr>
+          <a:xfrm>
+            <a:off x="3781899" y="1543868"/>
+            <a:ext cx="3249608" cy="3770263"/>
+          </a:xfrm>
+          <a:prstGeom prst="rect">
+            <a:avLst/>
+          </a:prstGeom>
+          <a:ln>
+            <a:noFill/>
+          </a:ln>
+        </p:spPr>
+        <p:txBody>
+          <a:bodyPr wrap="none">
+            <a:spAutoFit/>
+          </a:bodyPr>
+          <a:lstStyle/>
+          <a:p>
+            <a:pPr algn="ctr"/>
+            <a:r>
+              <a:rPr lang="ja-JP" altLang="en-US" sz="23900" dirty="0">
+                <a:ln w="44450">
+                  <a:noFill/>
+                </a:ln>
+                <a:solidFill>
+                  <a:schemeClr val="tx1">
+                    <a:lumMod val="85000"/>
+                    <a:lumOff val="15000"/>
+                  </a:schemeClr>
+                </a:solidFill>
+                <a:latin typeface="M+ 2c black" panose="020B0803020204020204" pitchFamily="50" charset="-128"/>
+                <a:ea typeface="M+ 2c black" panose="020B0803020204020204" pitchFamily="50" charset="-128"/>
+                <a:cs typeface="M+ 2c black" panose="020B0803020204020204" pitchFamily="50" charset="-128"/>
+              </a:rPr>
+              <a:t>Ｘ</a:t>
+            </a:r>
+            <a:endParaRPr lang="ja-JP" altLang="en-US" sz="3600" dirty="0">
+              <a:ln w="44450">
+                <a:noFill/>
+              </a:ln>
+              <a:solidFill>
+                <a:schemeClr val="tx1">
+                  <a:lumMod val="85000"/>
+                  <a:lumOff val="15000"/>
+                </a:schemeClr>
+              </a:solidFill>
+              <a:latin typeface="M+ 2c black" panose="020B0803020204020204" pitchFamily="50" charset="-128"/>
+              <a:ea typeface="M+ 2c black" panose="020B0803020204020204" pitchFamily="50" charset="-128"/>
+              <a:cs typeface="M+ 2c black" panose="020B0803020204020204" pitchFamily="50" charset="-128"/>
+            </a:endParaRPr>
+          </a:p>
+        </p:txBody>
+      </p:sp>
+    </p:spTree>
+    <p:extLst>
+      <p:ext uri="{BB962C8B-B14F-4D97-AF65-F5344CB8AC3E}">
+        <p14:creationId xmlns:p14="http://schemas.microsoft.com/office/powerpoint/2010/main" val="2487006894"/>
+      </p:ext>
+    </p:extLst>
+  </p:cSld>
+  <p:clrMapOvr>
+    <a:masterClrMapping/>
+  </p:clrMapOvr>
+</p:sld>
+</file>
+
+<file path=ppt/slides/slide12.xml><?xml version="1.0" encoding="utf-8"?>
+<p:sld xmlns:a="http://schemas.openxmlformats.org/drawingml/2006/main" xmlns:r="http://schemas.openxmlformats.org/officeDocument/2006/relationships" xmlns:p="http://schemas.openxmlformats.org/presentationml/2006/main">
+  <p:cSld>
+    <p:spTree>
+      <p:nvGrpSpPr>
+        <p:cNvPr id="1" name=""/>
+        <p:cNvGrpSpPr/>
+        <p:nvPr/>
+      </p:nvGrpSpPr>
+      <p:grpSpPr>
+        <a:xfrm>
+          <a:off x="0" y="0"/>
+          <a:ext cx="0" cy="0"/>
+          <a:chOff x="0" y="0"/>
+          <a:chExt cx="0" cy="0"/>
+        </a:xfrm>
+      </p:grpSpPr>
+      <p:sp>
+        <p:nvSpPr>
+          <p:cNvPr id="6" name="六角形 5">
+            <a:extLst>
+              <a:ext uri="{FF2B5EF4-FFF2-40B4-BE49-F238E27FC236}">
+                <a16:creationId xmlns:a16="http://schemas.microsoft.com/office/drawing/2014/main" id="{A899BB3A-7A26-4E79-BD15-165A0B833FCB}"/>
+              </a:ext>
+            </a:extLst>
+          </p:cNvPr>
+          <p:cNvSpPr/>
+          <p:nvPr/>
+        </p:nvSpPr>
+        <p:spPr>
+          <a:xfrm>
+            <a:off x="3045203" y="1331365"/>
+            <a:ext cx="4723001" cy="4071553"/>
+          </a:xfrm>
+          <a:prstGeom prst="hexagon">
+            <a:avLst/>
+          </a:prstGeom>
+          <a:gradFill flip="none" rotWithShape="1">
+            <a:gsLst>
+              <a:gs pos="0">
+                <a:srgbClr val="00B050"/>
+              </a:gs>
+              <a:gs pos="100000">
+                <a:srgbClr val="00B0F0"/>
+              </a:gs>
+            </a:gsLst>
+            <a:lin ang="2700000" scaled="1"/>
+            <a:tileRect/>
+          </a:gradFill>
+          <a:ln>
+            <a:noFill/>
+          </a:ln>
+        </p:spPr>
+        <p:style>
+          <a:lnRef idx="2">
+            <a:schemeClr val="accent1">
+              <a:shade val="50000"/>
+            </a:schemeClr>
+          </a:lnRef>
+          <a:fillRef idx="1">
+            <a:schemeClr val="accent1"/>
+          </a:fillRef>
+          <a:effectRef idx="0">
+            <a:schemeClr val="accent1"/>
+          </a:effectRef>
+          <a:fontRef idx="minor">
+            <a:schemeClr val="lt1"/>
+          </a:fontRef>
+        </p:style>
+        <p:txBody>
+          <a:bodyPr rtlCol="0" anchor="ctr"/>
+          <a:lstStyle/>
+          <a:p>
+            <a:pPr algn="ctr"/>
+            <a:endParaRPr kumimoji="1" lang="ja-JP" altLang="en-US"/>
+          </a:p>
+        </p:txBody>
+      </p:sp>
+      <p:sp>
+        <p:nvSpPr>
           <p:cNvPr id="3" name="六角形 2">
             <a:extLst>
               <a:ext uri="{FF2B5EF4-FFF2-40B4-BE49-F238E27FC236}">
@@ -4310,7 +4529,7 @@
 </p:sld>
 </file>
 
-<file path=ppt/slides/slide12.xml><?xml version="1.0" encoding="utf-8"?>
+<file path=ppt/slides/slide13.xml><?xml version="1.0" encoding="utf-8"?>
 <p:sld xmlns:a="http://schemas.openxmlformats.org/drawingml/2006/main" xmlns:r="http://schemas.openxmlformats.org/officeDocument/2006/relationships" xmlns:p="http://schemas.openxmlformats.org/presentationml/2006/main">
   <p:cSld>
     <p:bg>
@@ -4846,24 +5065,18 @@
         </p:nvSpPr>
         <p:spPr>
           <a:xfrm>
-            <a:off x="3045203" y="1331365"/>
+            <a:off x="3025179" y="1338039"/>
             <a:ext cx="4723001" cy="4071553"/>
           </a:xfrm>
           <a:prstGeom prst="hexagon">
             <a:avLst/>
           </a:prstGeom>
-          <a:gradFill flip="none" rotWithShape="1">
-            <a:gsLst>
-              <a:gs pos="0">
-                <a:srgbClr val="00B050"/>
-              </a:gs>
-              <a:gs pos="100000">
-                <a:srgbClr val="00B0F0"/>
-              </a:gs>
-            </a:gsLst>
-            <a:lin ang="2700000" scaled="1"/>
-            <a:tileRect/>
-          </a:gradFill>
+          <a:solidFill>
+            <a:schemeClr val="tx1">
+              <a:lumMod val="85000"/>
+              <a:lumOff val="15000"/>
+            </a:schemeClr>
+          </a:solidFill>
           <a:ln>
             <a:noFill/>
           </a:ln>
@@ -4895,10 +5108,10 @@
       </p:sp>
       <p:sp>
         <p:nvSpPr>
-          <p:cNvPr id="7" name="正方形/長方形 6">
-            <a:extLst>
-              <a:ext uri="{FF2B5EF4-FFF2-40B4-BE49-F238E27FC236}">
-                <a16:creationId xmlns:a16="http://schemas.microsoft.com/office/drawing/2014/main" id="{1A39BFCC-FA1B-474E-BEA6-1F5CDF37D90C}"/>
+          <p:cNvPr id="2" name="正方形/長方形 1">
+            <a:extLst>
+              <a:ext uri="{FF2B5EF4-FFF2-40B4-BE49-F238E27FC236}">
+                <a16:creationId xmlns:a16="http://schemas.microsoft.com/office/drawing/2014/main" id="{167C9E43-DA45-2ECD-945A-08CB4D83AC36}"/>
               </a:ext>
             </a:extLst>
           </p:cNvPr>
@@ -4907,52 +5120,62 @@
         </p:nvSpPr>
         <p:spPr>
           <a:xfrm>
-            <a:off x="3365919" y="2259145"/>
-            <a:ext cx="4161717" cy="2215991"/>
+            <a:off x="2594940" y="2311986"/>
+            <a:ext cx="5583477" cy="2123658"/>
           </a:xfrm>
           <a:prstGeom prst="rect">
             <a:avLst/>
           </a:prstGeom>
-          <a:ln>
-            <a:noFill/>
-          </a:ln>
         </p:spPr>
         <p:txBody>
-          <a:bodyPr wrap="none">
+          <a:bodyPr wrap="square">
             <a:spAutoFit/>
           </a:bodyPr>
           <a:lstStyle/>
           <a:p>
-            <a:r>
-              <a:rPr lang="en-US" altLang="ja-JP" sz="13800" dirty="0">
-                <a:ln w="44450">
-                  <a:noFill/>
-                </a:ln>
+            <a:pPr algn="ctr"/>
+            <a:r>
+              <a:rPr lang="en-US" altLang="ja-JP" sz="13200" dirty="0">
                 <a:solidFill>
-                  <a:schemeClr val="tx1">
-                    <a:lumMod val="85000"/>
-                    <a:lumOff val="15000"/>
-                  </a:schemeClr>
+                  <a:srgbClr val="00B0F0"/>
                 </a:solidFill>
-                <a:latin typeface="M+ 2c black" panose="020B0803020204020204" pitchFamily="50" charset="-128"/>
-                <a:ea typeface="M+ 2c black" panose="020B0803020204020204" pitchFamily="50" charset="-128"/>
-                <a:cs typeface="M+ 2c black" panose="020B0803020204020204" pitchFamily="50" charset="-128"/>
+                <a:latin typeface="M+ 2p black" panose="020B0803020203020204" pitchFamily="50" charset="-128"/>
+                <a:ea typeface="M+ 2p black" panose="020B0803020203020204" pitchFamily="50" charset="-128"/>
+                <a:cs typeface="M+ 2p black" panose="020B0803020203020204" pitchFamily="50" charset="-128"/>
               </a:rPr>
-              <a:t>VMT</a:t>
-            </a:r>
-            <a:endParaRPr lang="ja-JP" altLang="en-US" sz="2400" dirty="0">
-              <a:ln w="44450">
-                <a:noFill/>
-              </a:ln>
+              <a:t>V</a:t>
+            </a:r>
+            <a:r>
+              <a:rPr lang="en-US" altLang="ja-JP" sz="13200" dirty="0">
+                <a:solidFill>
+                  <a:srgbClr val="FF21D5"/>
+                </a:solidFill>
+                <a:latin typeface="M+ 2p black" panose="020B0803020203020204" pitchFamily="50" charset="-128"/>
+                <a:ea typeface="M+ 2p black" panose="020B0803020203020204" pitchFamily="50" charset="-128"/>
+                <a:cs typeface="M+ 2p black" panose="020B0803020203020204" pitchFamily="50" charset="-128"/>
+              </a:rPr>
+              <a:t>M</a:t>
+            </a:r>
+            <a:r>
+              <a:rPr lang="en-US" altLang="ja-JP" sz="13200" dirty="0">
+                <a:solidFill>
+                  <a:srgbClr val="FFFF00"/>
+                </a:solidFill>
+                <a:latin typeface="M+ 2p black" panose="020B0803020203020204" pitchFamily="50" charset="-128"/>
+                <a:ea typeface="M+ 2p black" panose="020B0803020203020204" pitchFamily="50" charset="-128"/>
+                <a:cs typeface="M+ 2p black" panose="020B0803020203020204" pitchFamily="50" charset="-128"/>
+              </a:rPr>
+              <a:t>T</a:t>
+            </a:r>
+            <a:endParaRPr lang="ja-JP" altLang="en-US" sz="13200" dirty="0">
               <a:solidFill>
-                <a:schemeClr val="tx1">
-                  <a:lumMod val="85000"/>
-                  <a:lumOff val="15000"/>
+                <a:schemeClr val="bg1">
+                  <a:lumMod val="65000"/>
                 </a:schemeClr>
               </a:solidFill>
-              <a:latin typeface="M+ 2c black" panose="020B0803020204020204" pitchFamily="50" charset="-128"/>
-              <a:ea typeface="M+ 2c black" panose="020B0803020204020204" pitchFamily="50" charset="-128"/>
-              <a:cs typeface="M+ 2c black" panose="020B0803020204020204" pitchFamily="50" charset="-128"/>
+              <a:latin typeface="M+ 2p black" panose="020B0803020203020204" pitchFamily="50" charset="-128"/>
+              <a:ea typeface="M+ 2p black" panose="020B0803020203020204" pitchFamily="50" charset="-128"/>
+              <a:cs typeface="M+ 2p black" panose="020B0803020203020204" pitchFamily="50" charset="-128"/>
             </a:endParaRPr>
           </a:p>
         </p:txBody>
@@ -4960,7 +5183,7 @@
     </p:spTree>
     <p:extLst>
       <p:ext uri="{BB962C8B-B14F-4D97-AF65-F5344CB8AC3E}">
-        <p14:creationId xmlns:p14="http://schemas.microsoft.com/office/powerpoint/2010/main" val="4097733527"/>
+        <p14:creationId xmlns:p14="http://schemas.microsoft.com/office/powerpoint/2010/main" val="354369186"/>
       </p:ext>
     </p:extLst>
   </p:cSld>
@@ -4989,10 +5212,10 @@
       </p:grpSpPr>
       <p:sp>
         <p:nvSpPr>
-          <p:cNvPr id="5" name="六角形 4">
-            <a:extLst>
-              <a:ext uri="{FF2B5EF4-FFF2-40B4-BE49-F238E27FC236}">
-                <a16:creationId xmlns:a16="http://schemas.microsoft.com/office/drawing/2014/main" id="{975B3186-5056-9D02-C13C-F0392E77F222}"/>
+          <p:cNvPr id="6" name="六角形 5">
+            <a:extLst>
+              <a:ext uri="{FF2B5EF4-FFF2-40B4-BE49-F238E27FC236}">
+                <a16:creationId xmlns:a16="http://schemas.microsoft.com/office/drawing/2014/main" id="{A899BB3A-7A26-4E79-BD15-165A0B833FCB}"/>
               </a:ext>
             </a:extLst>
           </p:cNvPr>
@@ -5050,62 +5273,10 @@
       </p:sp>
       <p:sp>
         <p:nvSpPr>
-          <p:cNvPr id="10" name="六角形 9">
-            <a:extLst>
-              <a:ext uri="{FF2B5EF4-FFF2-40B4-BE49-F238E27FC236}">
-                <a16:creationId xmlns:a16="http://schemas.microsoft.com/office/drawing/2014/main" id="{0B1CD92C-37D8-0617-534C-932033D6BC94}"/>
-              </a:ext>
-            </a:extLst>
-          </p:cNvPr>
-          <p:cNvSpPr/>
-          <p:nvPr/>
-        </p:nvSpPr>
-        <p:spPr>
-          <a:xfrm>
-            <a:off x="3222717" y="1484394"/>
-            <a:ext cx="4367971" cy="3765492"/>
-          </a:xfrm>
-          <a:prstGeom prst="hexagon">
-            <a:avLst/>
-          </a:prstGeom>
-          <a:solidFill>
-            <a:srgbClr val="262626"/>
-          </a:solidFill>
-          <a:ln>
-            <a:noFill/>
-          </a:ln>
-        </p:spPr>
-        <p:style>
-          <a:lnRef idx="2">
-            <a:schemeClr val="accent1">
-              <a:shade val="50000"/>
-            </a:schemeClr>
-          </a:lnRef>
-          <a:fillRef idx="1">
-            <a:schemeClr val="accent1"/>
-          </a:fillRef>
-          <a:effectRef idx="0">
-            <a:schemeClr val="accent1"/>
-          </a:effectRef>
-          <a:fontRef idx="minor">
-            <a:schemeClr val="lt1"/>
-          </a:fontRef>
-        </p:style>
-        <p:txBody>
-          <a:bodyPr rtlCol="0" anchor="ctr"/>
-          <a:lstStyle/>
-          <a:p>
-            <a:pPr algn="ctr"/>
-            <a:endParaRPr kumimoji="1" lang="ja-JP" altLang="en-US"/>
-          </a:p>
-        </p:txBody>
-      </p:sp>
-      <p:sp>
-        <p:nvSpPr>
-          <p:cNvPr id="8" name="正方形/長方形 7">
-            <a:extLst>
-              <a:ext uri="{FF2B5EF4-FFF2-40B4-BE49-F238E27FC236}">
-                <a16:creationId xmlns:a16="http://schemas.microsoft.com/office/drawing/2014/main" id="{7332A3CE-58B4-D12F-68F2-966EBF6B15E7}"/>
+          <p:cNvPr id="7" name="正方形/長方形 6">
+            <a:extLst>
+              <a:ext uri="{FF2B5EF4-FFF2-40B4-BE49-F238E27FC236}">
+                <a16:creationId xmlns:a16="http://schemas.microsoft.com/office/drawing/2014/main" id="{1A39BFCC-FA1B-474E-BEA6-1F5CDF37D90C}"/>
               </a:ext>
             </a:extLst>
           </p:cNvPr>
@@ -5135,17 +5306,12 @@
                 <a:ln w="44450">
                   <a:noFill/>
                 </a:ln>
-                <a:gradFill>
-                  <a:gsLst>
-                    <a:gs pos="0">
-                      <a:srgbClr val="00B050"/>
-                    </a:gs>
-                    <a:gs pos="100000">
-                      <a:srgbClr val="00B0F0"/>
-                    </a:gs>
-                  </a:gsLst>
-                  <a:lin ang="2700000" scaled="1"/>
-                </a:gradFill>
+                <a:solidFill>
+                  <a:schemeClr val="tx1">
+                    <a:lumMod val="85000"/>
+                    <a:lumOff val="15000"/>
+                  </a:schemeClr>
+                </a:solidFill>
                 <a:latin typeface="M+ 2c black" panose="020B0803020204020204" pitchFamily="50" charset="-128"/>
                 <a:ea typeface="M+ 2c black" panose="020B0803020204020204" pitchFamily="50" charset="-128"/>
                 <a:cs typeface="M+ 2c black" panose="020B0803020204020204" pitchFamily="50" charset="-128"/>
@@ -5156,17 +5322,12 @@
               <a:ln w="44450">
                 <a:noFill/>
               </a:ln>
-              <a:gradFill>
-                <a:gsLst>
-                  <a:gs pos="0">
-                    <a:srgbClr val="00B050"/>
-                  </a:gs>
-                  <a:gs pos="100000">
-                    <a:srgbClr val="00B0F0"/>
-                  </a:gs>
-                </a:gsLst>
-                <a:lin ang="2700000" scaled="1"/>
-              </a:gradFill>
+              <a:solidFill>
+                <a:schemeClr val="tx1">
+                  <a:lumMod val="85000"/>
+                  <a:lumOff val="15000"/>
+                </a:schemeClr>
+              </a:solidFill>
               <a:latin typeface="M+ 2c black" panose="020B0803020204020204" pitchFamily="50" charset="-128"/>
               <a:ea typeface="M+ 2c black" panose="020B0803020204020204" pitchFamily="50" charset="-128"/>
               <a:cs typeface="M+ 2c black" panose="020B0803020204020204" pitchFamily="50" charset="-128"/>
@@ -5177,7 +5338,7 @@
     </p:spTree>
     <p:extLst>
       <p:ext uri="{BB962C8B-B14F-4D97-AF65-F5344CB8AC3E}">
-        <p14:creationId xmlns:p14="http://schemas.microsoft.com/office/powerpoint/2010/main" val="2448593742"/>
+        <p14:creationId xmlns:p14="http://schemas.microsoft.com/office/powerpoint/2010/main" val="4097733527"/>
       </p:ext>
     </p:extLst>
   </p:cSld>
@@ -5206,10 +5367,10 @@
       </p:grpSpPr>
       <p:sp>
         <p:nvSpPr>
-          <p:cNvPr id="6" name="六角形 5">
-            <a:extLst>
-              <a:ext uri="{FF2B5EF4-FFF2-40B4-BE49-F238E27FC236}">
-                <a16:creationId xmlns:a16="http://schemas.microsoft.com/office/drawing/2014/main" id="{A899BB3A-7A26-4E79-BD15-165A0B833FCB}"/>
+          <p:cNvPr id="5" name="六角形 4">
+            <a:extLst>
+              <a:ext uri="{FF2B5EF4-FFF2-40B4-BE49-F238E27FC236}">
+                <a16:creationId xmlns:a16="http://schemas.microsoft.com/office/drawing/2014/main" id="{975B3186-5056-9D02-C13C-F0392E77F222}"/>
               </a:ext>
             </a:extLst>
           </p:cNvPr>
@@ -5265,10 +5426,136 @@
           </a:p>
         </p:txBody>
       </p:sp>
+      <p:sp>
+        <p:nvSpPr>
+          <p:cNvPr id="10" name="六角形 9">
+            <a:extLst>
+              <a:ext uri="{FF2B5EF4-FFF2-40B4-BE49-F238E27FC236}">
+                <a16:creationId xmlns:a16="http://schemas.microsoft.com/office/drawing/2014/main" id="{0B1CD92C-37D8-0617-534C-932033D6BC94}"/>
+              </a:ext>
+            </a:extLst>
+          </p:cNvPr>
+          <p:cNvSpPr/>
+          <p:nvPr/>
+        </p:nvSpPr>
+        <p:spPr>
+          <a:xfrm>
+            <a:off x="3222717" y="1484394"/>
+            <a:ext cx="4367971" cy="3765492"/>
+          </a:xfrm>
+          <a:prstGeom prst="hexagon">
+            <a:avLst/>
+          </a:prstGeom>
+          <a:solidFill>
+            <a:srgbClr val="262626"/>
+          </a:solidFill>
+          <a:ln>
+            <a:noFill/>
+          </a:ln>
+        </p:spPr>
+        <p:style>
+          <a:lnRef idx="2">
+            <a:schemeClr val="accent1">
+              <a:shade val="50000"/>
+            </a:schemeClr>
+          </a:lnRef>
+          <a:fillRef idx="1">
+            <a:schemeClr val="accent1"/>
+          </a:fillRef>
+          <a:effectRef idx="0">
+            <a:schemeClr val="accent1"/>
+          </a:effectRef>
+          <a:fontRef idx="minor">
+            <a:schemeClr val="lt1"/>
+          </a:fontRef>
+        </p:style>
+        <p:txBody>
+          <a:bodyPr rtlCol="0" anchor="ctr"/>
+          <a:lstStyle/>
+          <a:p>
+            <a:pPr algn="ctr"/>
+            <a:endParaRPr kumimoji="1" lang="ja-JP" altLang="en-US"/>
+          </a:p>
+        </p:txBody>
+      </p:sp>
+      <p:sp>
+        <p:nvSpPr>
+          <p:cNvPr id="8" name="正方形/長方形 7">
+            <a:extLst>
+              <a:ext uri="{FF2B5EF4-FFF2-40B4-BE49-F238E27FC236}">
+                <a16:creationId xmlns:a16="http://schemas.microsoft.com/office/drawing/2014/main" id="{7332A3CE-58B4-D12F-68F2-966EBF6B15E7}"/>
+              </a:ext>
+            </a:extLst>
+          </p:cNvPr>
+          <p:cNvSpPr/>
+          <p:nvPr/>
+        </p:nvSpPr>
+        <p:spPr>
+          <a:xfrm>
+            <a:off x="3365919" y="2259145"/>
+            <a:ext cx="4161717" cy="2215991"/>
+          </a:xfrm>
+          <a:prstGeom prst="rect">
+            <a:avLst/>
+          </a:prstGeom>
+          <a:ln>
+            <a:noFill/>
+          </a:ln>
+        </p:spPr>
+        <p:txBody>
+          <a:bodyPr wrap="none">
+            <a:spAutoFit/>
+          </a:bodyPr>
+          <a:lstStyle/>
+          <a:p>
+            <a:r>
+              <a:rPr lang="en-US" altLang="ja-JP" sz="13800" dirty="0">
+                <a:ln w="44450">
+                  <a:noFill/>
+                </a:ln>
+                <a:gradFill>
+                  <a:gsLst>
+                    <a:gs pos="0">
+                      <a:srgbClr val="00B050"/>
+                    </a:gs>
+                    <a:gs pos="100000">
+                      <a:srgbClr val="00B0F0"/>
+                    </a:gs>
+                  </a:gsLst>
+                  <a:lin ang="2700000" scaled="1"/>
+                </a:gradFill>
+                <a:latin typeface="M+ 2c black" panose="020B0803020204020204" pitchFamily="50" charset="-128"/>
+                <a:ea typeface="M+ 2c black" panose="020B0803020204020204" pitchFamily="50" charset="-128"/>
+                <a:cs typeface="M+ 2c black" panose="020B0803020204020204" pitchFamily="50" charset="-128"/>
+              </a:rPr>
+              <a:t>VMT</a:t>
+            </a:r>
+            <a:endParaRPr lang="ja-JP" altLang="en-US" sz="2400" dirty="0">
+              <a:ln w="44450">
+                <a:noFill/>
+              </a:ln>
+              <a:gradFill>
+                <a:gsLst>
+                  <a:gs pos="0">
+                    <a:srgbClr val="00B050"/>
+                  </a:gs>
+                  <a:gs pos="100000">
+                    <a:srgbClr val="00B0F0"/>
+                  </a:gs>
+                </a:gsLst>
+                <a:lin ang="2700000" scaled="1"/>
+              </a:gradFill>
+              <a:latin typeface="M+ 2c black" panose="020B0803020204020204" pitchFamily="50" charset="-128"/>
+              <a:ea typeface="M+ 2c black" panose="020B0803020204020204" pitchFamily="50" charset="-128"/>
+              <a:cs typeface="M+ 2c black" panose="020B0803020204020204" pitchFamily="50" charset="-128"/>
+            </a:endParaRPr>
+          </a:p>
+        </p:txBody>
+      </p:sp>
     </p:spTree>
     <p:extLst>
       <p:ext uri="{BB962C8B-B14F-4D97-AF65-F5344CB8AC3E}">
-        <p14:creationId xmlns:p14="http://schemas.microsoft.com/office/powerpoint/2010/main" val="346515698"/>
+        <p14:creationId xmlns:p14="http://schemas.microsoft.com/office/powerpoint/2010/main" val="2448593742"/>
       </p:ext>
     </p:extLst>
   </p:cSld>
@@ -5356,75 +5643,10 @@
           </a:p>
         </p:txBody>
       </p:sp>
-      <p:sp>
-        <p:nvSpPr>
-          <p:cNvPr id="7" name="正方形/長方形 6">
-            <a:extLst>
-              <a:ext uri="{FF2B5EF4-FFF2-40B4-BE49-F238E27FC236}">
-                <a16:creationId xmlns:a16="http://schemas.microsoft.com/office/drawing/2014/main" id="{1A39BFCC-FA1B-474E-BEA6-1F5CDF37D90C}"/>
-              </a:ext>
-            </a:extLst>
-          </p:cNvPr>
-          <p:cNvSpPr/>
-          <p:nvPr/>
-        </p:nvSpPr>
-        <p:spPr>
-          <a:xfrm>
-            <a:off x="3781899" y="1543868"/>
-            <a:ext cx="3249608" cy="3770263"/>
-          </a:xfrm>
-          <a:prstGeom prst="rect">
-            <a:avLst/>
-          </a:prstGeom>
-          <a:ln>
-            <a:noFill/>
-          </a:ln>
-        </p:spPr>
-        <p:txBody>
-          <a:bodyPr wrap="none">
-            <a:spAutoFit/>
-          </a:bodyPr>
-          <a:lstStyle/>
-          <a:p>
-            <a:pPr algn="ctr"/>
-            <a:r>
-              <a:rPr lang="ja-JP" altLang="en-US" sz="23900" dirty="0">
-                <a:ln w="44450">
-                  <a:noFill/>
-                </a:ln>
-                <a:solidFill>
-                  <a:schemeClr val="tx1">
-                    <a:lumMod val="85000"/>
-                    <a:lumOff val="15000"/>
-                  </a:schemeClr>
-                </a:solidFill>
-                <a:latin typeface="M+ 2c black" panose="020B0803020204020204" pitchFamily="50" charset="-128"/>
-                <a:ea typeface="M+ 2c black" panose="020B0803020204020204" pitchFamily="50" charset="-128"/>
-                <a:cs typeface="M+ 2c black" panose="020B0803020204020204" pitchFamily="50" charset="-128"/>
-              </a:rPr>
-              <a:t>！</a:t>
-            </a:r>
-            <a:endParaRPr lang="ja-JP" altLang="en-US" sz="3600" dirty="0">
-              <a:ln w="44450">
-                <a:noFill/>
-              </a:ln>
-              <a:solidFill>
-                <a:schemeClr val="tx1">
-                  <a:lumMod val="85000"/>
-                  <a:lumOff val="15000"/>
-                </a:schemeClr>
-              </a:solidFill>
-              <a:latin typeface="M+ 2c black" panose="020B0803020204020204" pitchFamily="50" charset="-128"/>
-              <a:ea typeface="M+ 2c black" panose="020B0803020204020204" pitchFamily="50" charset="-128"/>
-              <a:cs typeface="M+ 2c black" panose="020B0803020204020204" pitchFamily="50" charset="-128"/>
-            </a:endParaRPr>
-          </a:p>
-        </p:txBody>
-      </p:sp>
     </p:spTree>
     <p:extLst>
       <p:ext uri="{BB962C8B-B14F-4D97-AF65-F5344CB8AC3E}">
-        <p14:creationId xmlns:p14="http://schemas.microsoft.com/office/powerpoint/2010/main" val="1638359834"/>
+        <p14:creationId xmlns:p14="http://schemas.microsoft.com/office/powerpoint/2010/main" val="346515698"/>
       </p:ext>
     </p:extLst>
   </p:cSld>
@@ -5514,58 +5736,6 @@
       </p:sp>
       <p:sp>
         <p:nvSpPr>
-          <p:cNvPr id="4" name="六角形 3">
-            <a:extLst>
-              <a:ext uri="{FF2B5EF4-FFF2-40B4-BE49-F238E27FC236}">
-                <a16:creationId xmlns:a16="http://schemas.microsoft.com/office/drawing/2014/main" id="{A4A06018-198E-EB18-6046-30643116F69B}"/>
-              </a:ext>
-            </a:extLst>
-          </p:cNvPr>
-          <p:cNvSpPr/>
-          <p:nvPr/>
-        </p:nvSpPr>
-        <p:spPr>
-          <a:xfrm>
-            <a:off x="3222717" y="1484394"/>
-            <a:ext cx="4367971" cy="3765492"/>
-          </a:xfrm>
-          <a:prstGeom prst="hexagon">
-            <a:avLst/>
-          </a:prstGeom>
-          <a:solidFill>
-            <a:srgbClr val="262626"/>
-          </a:solidFill>
-          <a:ln>
-            <a:noFill/>
-          </a:ln>
-        </p:spPr>
-        <p:style>
-          <a:lnRef idx="2">
-            <a:schemeClr val="accent1">
-              <a:shade val="50000"/>
-            </a:schemeClr>
-          </a:lnRef>
-          <a:fillRef idx="1">
-            <a:schemeClr val="accent1"/>
-          </a:fillRef>
-          <a:effectRef idx="0">
-            <a:schemeClr val="accent1"/>
-          </a:effectRef>
-          <a:fontRef idx="minor">
-            <a:schemeClr val="lt1"/>
-          </a:fontRef>
-        </p:style>
-        <p:txBody>
-          <a:bodyPr rtlCol="0" anchor="ctr"/>
-          <a:lstStyle/>
-          <a:p>
-            <a:pPr algn="ctr"/>
-            <a:endParaRPr kumimoji="1" lang="ja-JP" altLang="en-US"/>
-          </a:p>
-        </p:txBody>
-      </p:sp>
-      <p:sp>
-        <p:nvSpPr>
           <p:cNvPr id="7" name="正方形/長方形 6">
             <a:extLst>
               <a:ext uri="{FF2B5EF4-FFF2-40B4-BE49-F238E27FC236}">
@@ -5600,17 +5770,12 @@
                 <a:ln w="44450">
                   <a:noFill/>
                 </a:ln>
-                <a:gradFill>
-                  <a:gsLst>
-                    <a:gs pos="0">
-                      <a:srgbClr val="00B050"/>
-                    </a:gs>
-                    <a:gs pos="100000">
-                      <a:srgbClr val="00B0F0"/>
-                    </a:gs>
-                  </a:gsLst>
-                  <a:lin ang="2700000" scaled="1"/>
-                </a:gradFill>
+                <a:solidFill>
+                  <a:schemeClr val="tx1">
+                    <a:lumMod val="85000"/>
+                    <a:lumOff val="15000"/>
+                  </a:schemeClr>
+                </a:solidFill>
                 <a:latin typeface="M+ 2c black" panose="020B0803020204020204" pitchFamily="50" charset="-128"/>
                 <a:ea typeface="M+ 2c black" panose="020B0803020204020204" pitchFamily="50" charset="-128"/>
                 <a:cs typeface="M+ 2c black" panose="020B0803020204020204" pitchFamily="50" charset="-128"/>
@@ -5621,17 +5786,12 @@
               <a:ln w="44450">
                 <a:noFill/>
               </a:ln>
-              <a:gradFill>
-                <a:gsLst>
-                  <a:gs pos="0">
-                    <a:srgbClr val="00B050"/>
-                  </a:gs>
-                  <a:gs pos="100000">
-                    <a:srgbClr val="00B0F0"/>
-                  </a:gs>
-                </a:gsLst>
-                <a:lin ang="2700000" scaled="1"/>
-              </a:gradFill>
+              <a:solidFill>
+                <a:schemeClr val="tx1">
+                  <a:lumMod val="85000"/>
+                  <a:lumOff val="15000"/>
+                </a:schemeClr>
+              </a:solidFill>
               <a:latin typeface="M+ 2c black" panose="020B0803020204020204" pitchFamily="50" charset="-128"/>
               <a:ea typeface="M+ 2c black" panose="020B0803020204020204" pitchFamily="50" charset="-128"/>
               <a:cs typeface="M+ 2c black" panose="020B0803020204020204" pitchFamily="50" charset="-128"/>
@@ -5642,7 +5802,7 @@
     </p:spTree>
     <p:extLst>
       <p:ext uri="{BB962C8B-B14F-4D97-AF65-F5344CB8AC3E}">
-        <p14:creationId xmlns:p14="http://schemas.microsoft.com/office/powerpoint/2010/main" val="3359644620"/>
+        <p14:creationId xmlns:p14="http://schemas.microsoft.com/office/powerpoint/2010/main" val="1638359834"/>
       </p:ext>
     </p:extLst>
   </p:cSld>
@@ -5732,10 +5892,10 @@
       </p:sp>
       <p:sp>
         <p:nvSpPr>
-          <p:cNvPr id="7" name="正方形/長方形 6">
-            <a:extLst>
-              <a:ext uri="{FF2B5EF4-FFF2-40B4-BE49-F238E27FC236}">
-                <a16:creationId xmlns:a16="http://schemas.microsoft.com/office/drawing/2014/main" id="{1A39BFCC-FA1B-474E-BEA6-1F5CDF37D90C}"/>
+          <p:cNvPr id="4" name="六角形 3">
+            <a:extLst>
+              <a:ext uri="{FF2B5EF4-FFF2-40B4-BE49-F238E27FC236}">
+                <a16:creationId xmlns:a16="http://schemas.microsoft.com/office/drawing/2014/main" id="{A4A06018-198E-EB18-6046-30643116F69B}"/>
               </a:ext>
             </a:extLst>
           </p:cNvPr>
@@ -5744,8 +5904,60 @@
         </p:nvSpPr>
         <p:spPr>
           <a:xfrm>
-            <a:off x="4309287" y="1543868"/>
-            <a:ext cx="2194832" cy="3770263"/>
+            <a:off x="3222717" y="1484394"/>
+            <a:ext cx="4367971" cy="3765492"/>
+          </a:xfrm>
+          <a:prstGeom prst="hexagon">
+            <a:avLst/>
+          </a:prstGeom>
+          <a:solidFill>
+            <a:srgbClr val="262626"/>
+          </a:solidFill>
+          <a:ln>
+            <a:noFill/>
+          </a:ln>
+        </p:spPr>
+        <p:style>
+          <a:lnRef idx="2">
+            <a:schemeClr val="accent1">
+              <a:shade val="50000"/>
+            </a:schemeClr>
+          </a:lnRef>
+          <a:fillRef idx="1">
+            <a:schemeClr val="accent1"/>
+          </a:fillRef>
+          <a:effectRef idx="0">
+            <a:schemeClr val="accent1"/>
+          </a:effectRef>
+          <a:fontRef idx="minor">
+            <a:schemeClr val="lt1"/>
+          </a:fontRef>
+        </p:style>
+        <p:txBody>
+          <a:bodyPr rtlCol="0" anchor="ctr"/>
+          <a:lstStyle/>
+          <a:p>
+            <a:pPr algn="ctr"/>
+            <a:endParaRPr kumimoji="1" lang="ja-JP" altLang="en-US"/>
+          </a:p>
+        </p:txBody>
+      </p:sp>
+      <p:sp>
+        <p:nvSpPr>
+          <p:cNvPr id="7" name="正方形/長方形 6">
+            <a:extLst>
+              <a:ext uri="{FF2B5EF4-FFF2-40B4-BE49-F238E27FC236}">
+                <a16:creationId xmlns:a16="http://schemas.microsoft.com/office/drawing/2014/main" id="{1A39BFCC-FA1B-474E-BEA6-1F5CDF37D90C}"/>
+              </a:ext>
+            </a:extLst>
+          </p:cNvPr>
+          <p:cNvSpPr/>
+          <p:nvPr/>
+        </p:nvSpPr>
+        <p:spPr>
+          <a:xfrm>
+            <a:off x="3781899" y="1543868"/>
+            <a:ext cx="3249608" cy="3770263"/>
           </a:xfrm>
           <a:prstGeom prst="rect">
             <a:avLst/>
@@ -5762,32 +5974,42 @@
           <a:p>
             <a:pPr algn="ctr"/>
             <a:r>
-              <a:rPr lang="en-US" altLang="ja-JP" sz="23900" dirty="0">
+              <a:rPr lang="ja-JP" altLang="en-US" sz="23900" dirty="0">
                 <a:ln w="44450">
                   <a:noFill/>
                 </a:ln>
-                <a:solidFill>
-                  <a:schemeClr val="tx1">
-                    <a:lumMod val="85000"/>
-                    <a:lumOff val="15000"/>
-                  </a:schemeClr>
-                </a:solidFill>
+                <a:gradFill>
+                  <a:gsLst>
+                    <a:gs pos="0">
+                      <a:srgbClr val="00B050"/>
+                    </a:gs>
+                    <a:gs pos="100000">
+                      <a:srgbClr val="00B0F0"/>
+                    </a:gs>
+                  </a:gsLst>
+                  <a:lin ang="2700000" scaled="1"/>
+                </a:gradFill>
                 <a:latin typeface="M+ 2c black" panose="020B0803020204020204" pitchFamily="50" charset="-128"/>
                 <a:ea typeface="M+ 2c black" panose="020B0803020204020204" pitchFamily="50" charset="-128"/>
                 <a:cs typeface="M+ 2c black" panose="020B0803020204020204" pitchFamily="50" charset="-128"/>
               </a:rPr>
-              <a:t>?</a:t>
+              <a:t>！</a:t>
             </a:r>
             <a:endParaRPr lang="ja-JP" altLang="en-US" sz="3600" dirty="0">
               <a:ln w="44450">
                 <a:noFill/>
               </a:ln>
-              <a:solidFill>
-                <a:schemeClr val="tx1">
-                  <a:lumMod val="85000"/>
-                  <a:lumOff val="15000"/>
-                </a:schemeClr>
-              </a:solidFill>
+              <a:gradFill>
+                <a:gsLst>
+                  <a:gs pos="0">
+                    <a:srgbClr val="00B050"/>
+                  </a:gs>
+                  <a:gs pos="100000">
+                    <a:srgbClr val="00B0F0"/>
+                  </a:gs>
+                </a:gsLst>
+                <a:lin ang="2700000" scaled="1"/>
+              </a:gradFill>
               <a:latin typeface="M+ 2c black" panose="020B0803020204020204" pitchFamily="50" charset="-128"/>
               <a:ea typeface="M+ 2c black" panose="020B0803020204020204" pitchFamily="50" charset="-128"/>
               <a:cs typeface="M+ 2c black" panose="020B0803020204020204" pitchFamily="50" charset="-128"/>
@@ -5798,7 +6020,7 @@
     </p:spTree>
     <p:extLst>
       <p:ext uri="{BB962C8B-B14F-4D97-AF65-F5344CB8AC3E}">
-        <p14:creationId xmlns:p14="http://schemas.microsoft.com/office/powerpoint/2010/main" val="1570107812"/>
+        <p14:creationId xmlns:p14="http://schemas.microsoft.com/office/powerpoint/2010/main" val="3359644620"/>
       </p:ext>
     </p:extLst>
   </p:cSld>
@@ -5888,58 +6110,6 @@
       </p:sp>
       <p:sp>
         <p:nvSpPr>
-          <p:cNvPr id="3" name="六角形 2">
-            <a:extLst>
-              <a:ext uri="{FF2B5EF4-FFF2-40B4-BE49-F238E27FC236}">
-                <a16:creationId xmlns:a16="http://schemas.microsoft.com/office/drawing/2014/main" id="{D97A16E2-375A-FFA1-E628-2E37E5B5386D}"/>
-              </a:ext>
-            </a:extLst>
-          </p:cNvPr>
-          <p:cNvSpPr/>
-          <p:nvPr/>
-        </p:nvSpPr>
-        <p:spPr>
-          <a:xfrm>
-            <a:off x="3222717" y="1484394"/>
-            <a:ext cx="4367971" cy="3765492"/>
-          </a:xfrm>
-          <a:prstGeom prst="hexagon">
-            <a:avLst/>
-          </a:prstGeom>
-          <a:solidFill>
-            <a:srgbClr val="262626"/>
-          </a:solidFill>
-          <a:ln>
-            <a:noFill/>
-          </a:ln>
-        </p:spPr>
-        <p:style>
-          <a:lnRef idx="2">
-            <a:schemeClr val="accent1">
-              <a:shade val="50000"/>
-            </a:schemeClr>
-          </a:lnRef>
-          <a:fillRef idx="1">
-            <a:schemeClr val="accent1"/>
-          </a:fillRef>
-          <a:effectRef idx="0">
-            <a:schemeClr val="accent1"/>
-          </a:effectRef>
-          <a:fontRef idx="minor">
-            <a:schemeClr val="lt1"/>
-          </a:fontRef>
-        </p:style>
-        <p:txBody>
-          <a:bodyPr rtlCol="0" anchor="ctr"/>
-          <a:lstStyle/>
-          <a:p>
-            <a:pPr algn="ctr"/>
-            <a:endParaRPr kumimoji="1" lang="ja-JP" altLang="en-US"/>
-          </a:p>
-        </p:txBody>
-      </p:sp>
-      <p:sp>
-        <p:nvSpPr>
           <p:cNvPr id="7" name="正方形/長方形 6">
             <a:extLst>
               <a:ext uri="{FF2B5EF4-FFF2-40B4-BE49-F238E27FC236}">
@@ -5974,17 +6144,12 @@
                 <a:ln w="44450">
                   <a:noFill/>
                 </a:ln>
-                <a:gradFill>
-                  <a:gsLst>
-                    <a:gs pos="0">
-                      <a:srgbClr val="00B050"/>
-                    </a:gs>
-                    <a:gs pos="100000">
-                      <a:srgbClr val="00B0F0"/>
-                    </a:gs>
-                  </a:gsLst>
-                  <a:lin ang="2700000" scaled="1"/>
-                </a:gradFill>
+                <a:solidFill>
+                  <a:schemeClr val="tx1">
+                    <a:lumMod val="85000"/>
+                    <a:lumOff val="15000"/>
+                  </a:schemeClr>
+                </a:solidFill>
                 <a:latin typeface="M+ 2c black" panose="020B0803020204020204" pitchFamily="50" charset="-128"/>
                 <a:ea typeface="M+ 2c black" panose="020B0803020204020204" pitchFamily="50" charset="-128"/>
                 <a:cs typeface="M+ 2c black" panose="020B0803020204020204" pitchFamily="50" charset="-128"/>
@@ -5995,17 +6160,12 @@
               <a:ln w="44450">
                 <a:noFill/>
               </a:ln>
-              <a:gradFill>
-                <a:gsLst>
-                  <a:gs pos="0">
-                    <a:srgbClr val="00B050"/>
-                  </a:gs>
-                  <a:gs pos="100000">
-                    <a:srgbClr val="00B0F0"/>
-                  </a:gs>
-                </a:gsLst>
-                <a:lin ang="2700000" scaled="1"/>
-              </a:gradFill>
+              <a:solidFill>
+                <a:schemeClr val="tx1">
+                  <a:lumMod val="85000"/>
+                  <a:lumOff val="15000"/>
+                </a:schemeClr>
+              </a:solidFill>
               <a:latin typeface="M+ 2c black" panose="020B0803020204020204" pitchFamily="50" charset="-128"/>
               <a:ea typeface="M+ 2c black" panose="020B0803020204020204" pitchFamily="50" charset="-128"/>
               <a:cs typeface="M+ 2c black" panose="020B0803020204020204" pitchFamily="50" charset="-128"/>
@@ -6016,7 +6176,7 @@
     </p:spTree>
     <p:extLst>
       <p:ext uri="{BB962C8B-B14F-4D97-AF65-F5344CB8AC3E}">
-        <p14:creationId xmlns:p14="http://schemas.microsoft.com/office/powerpoint/2010/main" val="2546209672"/>
+        <p14:creationId xmlns:p14="http://schemas.microsoft.com/office/powerpoint/2010/main" val="1570107812"/>
       </p:ext>
     </p:extLst>
   </p:cSld>
